--- a/Pitch/Statistisk Risikovurdering.pptx
+++ b/Pitch/Statistisk Risikovurdering.pptx
@@ -5,10 +5,10 @@
     <p:sldMasterId id="2147483648" r:id="rId1"/>
   </p:sldMasterIdLst>
   <p:notesMasterIdLst>
-    <p:notesMasterId r:id="rId10"/>
+    <p:notesMasterId r:id="rId8"/>
   </p:notesMasterIdLst>
   <p:handoutMasterIdLst>
-    <p:handoutMasterId r:id="rId11"/>
+    <p:handoutMasterId r:id="rId9"/>
   </p:handoutMasterIdLst>
   <p:sldIdLst>
     <p:sldId id="305" r:id="rId2"/>
@@ -17,13 +17,11 @@
     <p:sldId id="313" r:id="rId5"/>
     <p:sldId id="309" r:id="rId6"/>
     <p:sldId id="311" r:id="rId7"/>
-    <p:sldId id="262" r:id="rId8"/>
-    <p:sldId id="307" r:id="rId9"/>
   </p:sldIdLst>
   <p:sldSz cx="12192000" cy="6858000"/>
   <p:notesSz cx="6888163" cy="10020300"/>
   <p:custDataLst>
-    <p:tags r:id="rId12"/>
+    <p:tags r:id="rId10"/>
   </p:custDataLst>
   <p:defaultTextStyle>
     <a:defPPr>
@@ -121,26 +119,6 @@
     </a:lvl9pPr>
   </p:defaultTextStyle>
   <p:extLst>
-    <p:ext uri="{521415D9-36F7-43E2-AB2F-B90AF26B5E84}">
-      <p14:sectionLst xmlns:p14="http://schemas.microsoft.com/office/powerpoint/2010/main">
-        <p14:section name="Standardsektion" id="{2FC4A18D-F1B6-4C74-8930-2F96FAC20157}">
-          <p14:sldIdLst>
-            <p14:sldId id="305"/>
-            <p14:sldId id="281"/>
-            <p14:sldId id="308"/>
-            <p14:sldId id="313"/>
-            <p14:sldId id="309"/>
-            <p14:sldId id="311"/>
-          </p14:sldIdLst>
-        </p14:section>
-        <p14:section name="Slidebibliotek" id="{19A36375-654E-43E0-98A0-E068AB2D4CD1}">
-          <p14:sldIdLst>
-            <p14:sldId id="262"/>
-            <p14:sldId id="307"/>
-          </p14:sldIdLst>
-        </p14:section>
-      </p14:sectionLst>
-    </p:ext>
     <p:ext uri="{EFAFB233-063F-42B5-8137-9DF3F51BA10A}">
       <p15:sldGuideLst xmlns:p15="http://schemas.microsoft.com/office/powerpoint/2012/main"/>
     </p:ext>
@@ -154,7 +132,7 @@
 <file path=ppt/revisionInfo.xml><?xml version="1.0" encoding="utf-8"?>
 <p1510:revInfo xmlns:a="http://schemas.openxmlformats.org/drawingml/2006/main" xmlns:r="http://schemas.openxmlformats.org/officeDocument/2006/relationships" xmlns:p1510="http://schemas.microsoft.com/office/powerpoint/2015/10/main">
   <p1510:revLst>
-    <p1510:client id="{1E3A7C41-47CF-4BFD-8C66-533AAAACACA8}" v="511" dt="2023-02-28T07:05:48.656"/>
+    <p1510:client id="{1E3A7C41-47CF-4BFD-8C66-533AAAACACA8}" v="858" dt="2023-03-07T06:54:13.648"/>
   </p1510:revLst>
 </p1510:revInfo>
 </file>
@@ -164,12 +142,12 @@
   <pc:docChgLst>
     <pc:chgData name="Tobias Brammer" userId="80a1e1bd-3b82-47a5-b259-da62a397db92" providerId="ADAL" clId="{1E3A7C41-47CF-4BFD-8C66-533AAAACACA8}"/>
     <pc:docChg chg="undo custSel addSld delSld modSld sldOrd modMainMaster modSection replTag modNotesMaster">
-      <pc:chgData name="Tobias Brammer" userId="80a1e1bd-3b82-47a5-b259-da62a397db92" providerId="ADAL" clId="{1E3A7C41-47CF-4BFD-8C66-533AAAACACA8}" dt="2023-03-02T07:08:49.754" v="7663" actId="20577"/>
+      <pc:chgData name="Tobias Brammer" userId="80a1e1bd-3b82-47a5-b259-da62a397db92" providerId="ADAL" clId="{1E3A7C41-47CF-4BFD-8C66-533AAAACACA8}" dt="2023-03-08T17:57:55.286" v="9201" actId="20577"/>
       <pc:docMkLst>
         <pc:docMk/>
       </pc:docMkLst>
-      <pc:sldChg chg="delSp modSp mod ord modNotes">
-        <pc:chgData name="Tobias Brammer" userId="80a1e1bd-3b82-47a5-b259-da62a397db92" providerId="ADAL" clId="{1E3A7C41-47CF-4BFD-8C66-533AAAACACA8}" dt="2023-02-28T05:57:37.827" v="1878" actId="1076"/>
+      <pc:sldChg chg="delSp modSp del mod ord modNotes">
+        <pc:chgData name="Tobias Brammer" userId="80a1e1bd-3b82-47a5-b259-da62a397db92" providerId="ADAL" clId="{1E3A7C41-47CF-4BFD-8C66-533AAAACACA8}" dt="2023-03-07T06:51:25.444" v="8891" actId="47"/>
         <pc:sldMkLst>
           <pc:docMk/>
           <pc:sldMk cId="1005211075" sldId="262"/>
@@ -319,13 +297,13 @@
         </pc:graphicFrameChg>
       </pc:sldChg>
       <pc:sldChg chg="addSp delSp modSp mod ord modNotes">
-        <pc:chgData name="Tobias Brammer" userId="80a1e1bd-3b82-47a5-b259-da62a397db92" providerId="ADAL" clId="{1E3A7C41-47CF-4BFD-8C66-533AAAACACA8}" dt="2023-02-28T07:05:37.784" v="6396" actId="20577"/>
+        <pc:chgData name="Tobias Brammer" userId="80a1e1bd-3b82-47a5-b259-da62a397db92" providerId="ADAL" clId="{1E3A7C41-47CF-4BFD-8C66-533AAAACACA8}" dt="2023-03-07T06:54:13.648" v="8928"/>
         <pc:sldMkLst>
           <pc:docMk/>
           <pc:sldMk cId="2641621532" sldId="281"/>
         </pc:sldMkLst>
         <pc:spChg chg="mod">
-          <ac:chgData name="Tobias Brammer" userId="80a1e1bd-3b82-47a5-b259-da62a397db92" providerId="ADAL" clId="{1E3A7C41-47CF-4BFD-8C66-533AAAACACA8}" dt="2023-02-28T05:57:38.397" v="1889" actId="948"/>
+          <ac:chgData name="Tobias Brammer" userId="80a1e1bd-3b82-47a5-b259-da62a397db92" providerId="ADAL" clId="{1E3A7C41-47CF-4BFD-8C66-533AAAACACA8}" dt="2023-03-07T06:54:13.645" v="8924" actId="948"/>
           <ac:spMkLst>
             <pc:docMk/>
             <pc:sldMk cId="2641621532" sldId="281"/>
@@ -421,7 +399,7 @@
           </ac:spMkLst>
         </pc:spChg>
         <pc:graphicFrameChg chg="add mod ord modVis replST">
-          <ac:chgData name="Tobias Brammer" userId="80a1e1bd-3b82-47a5-b259-da62a397db92" providerId="ADAL" clId="{1E3A7C41-47CF-4BFD-8C66-533AAAACACA8}" dt="2023-02-28T05:57:38.397" v="1893"/>
+          <ac:chgData name="Tobias Brammer" userId="80a1e1bd-3b82-47a5-b259-da62a397db92" providerId="ADAL" clId="{1E3A7C41-47CF-4BFD-8C66-533AAAACACA8}" dt="2023-03-07T06:54:13.648" v="8928"/>
           <ac:graphicFrameMkLst>
             <pc:docMk/>
             <pc:sldMk cId="2641621532" sldId="281"/>
@@ -484,8 +462,8 @@
           </ac:graphicFrameMkLst>
         </pc:graphicFrameChg>
       </pc:sldChg>
-      <pc:sldChg chg="delSp modSp mod modTransition modShow modNotes">
-        <pc:chgData name="Tobias Brammer" userId="80a1e1bd-3b82-47a5-b259-da62a397db92" providerId="ADAL" clId="{1E3A7C41-47CF-4BFD-8C66-533AAAACACA8}" dt="2023-02-28T07:04:11.891" v="6350"/>
+      <pc:sldChg chg="delSp modSp del mod modTransition modShow modNotes">
+        <pc:chgData name="Tobias Brammer" userId="80a1e1bd-3b82-47a5-b259-da62a397db92" providerId="ADAL" clId="{1E3A7C41-47CF-4BFD-8C66-533AAAACACA8}" dt="2023-03-07T06:51:26.278" v="8892" actId="47"/>
         <pc:sldMkLst>
           <pc:docMk/>
           <pc:sldMk cId="3556110710" sldId="307"/>
@@ -524,7 +502,7 @@
         </pc:graphicFrameChg>
       </pc:sldChg>
       <pc:sldChg chg="addSp modSp add mod ord modNotes">
-        <pc:chgData name="Tobias Brammer" userId="80a1e1bd-3b82-47a5-b259-da62a397db92" providerId="ADAL" clId="{1E3A7C41-47CF-4BFD-8C66-533AAAACACA8}" dt="2023-03-02T06:51:59.798" v="6890" actId="20577"/>
+        <pc:chgData name="Tobias Brammer" userId="80a1e1bd-3b82-47a5-b259-da62a397db92" providerId="ADAL" clId="{1E3A7C41-47CF-4BFD-8C66-533AAAACACA8}" dt="2023-03-08T17:57:55.286" v="9201" actId="20577"/>
         <pc:sldMkLst>
           <pc:docMk/>
           <pc:sldMk cId="2678748836" sldId="308"/>
@@ -538,7 +516,7 @@
           </ac:spMkLst>
         </pc:spChg>
         <pc:spChg chg="mod">
-          <ac:chgData name="Tobias Brammer" userId="80a1e1bd-3b82-47a5-b259-da62a397db92" providerId="ADAL" clId="{1E3A7C41-47CF-4BFD-8C66-533AAAACACA8}" dt="2023-03-02T06:51:59.798" v="6890" actId="20577"/>
+          <ac:chgData name="Tobias Brammer" userId="80a1e1bd-3b82-47a5-b259-da62a397db92" providerId="ADAL" clId="{1E3A7C41-47CF-4BFD-8C66-533AAAACACA8}" dt="2023-03-08T17:57:55.286" v="9201" actId="20577"/>
           <ac:spMkLst>
             <pc:docMk/>
             <pc:sldMk cId="2678748836" sldId="308"/>
@@ -554,8 +532,8 @@
           </ac:graphicFrameMkLst>
         </pc:graphicFrameChg>
       </pc:sldChg>
-      <pc:sldChg chg="addSp delSp modSp add mod">
-        <pc:chgData name="Tobias Brammer" userId="80a1e1bd-3b82-47a5-b259-da62a397db92" providerId="ADAL" clId="{1E3A7C41-47CF-4BFD-8C66-533AAAACACA8}" dt="2023-03-02T07:02:36.969" v="7633" actId="20577"/>
+      <pc:sldChg chg="addSp delSp modSp add mod ord">
+        <pc:chgData name="Tobias Brammer" userId="80a1e1bd-3b82-47a5-b259-da62a397db92" providerId="ADAL" clId="{1E3A7C41-47CF-4BFD-8C66-533AAAACACA8}" dt="2023-03-07T06:53:24.393" v="8916" actId="20577"/>
         <pc:sldMkLst>
           <pc:docMk/>
           <pc:sldMk cId="2492524537" sldId="309"/>
@@ -577,7 +555,7 @@
           </ac:spMkLst>
         </pc:spChg>
         <pc:spChg chg="add mod">
-          <ac:chgData name="Tobias Brammer" userId="80a1e1bd-3b82-47a5-b259-da62a397db92" providerId="ADAL" clId="{1E3A7C41-47CF-4BFD-8C66-533AAAACACA8}" dt="2023-02-28T06:53:15.068" v="6105" actId="404"/>
+          <ac:chgData name="Tobias Brammer" userId="80a1e1bd-3b82-47a5-b259-da62a397db92" providerId="ADAL" clId="{1E3A7C41-47CF-4BFD-8C66-533AAAACACA8}" dt="2023-03-07T06:52:24.047" v="8909" actId="20577"/>
           <ac:spMkLst>
             <pc:docMk/>
             <pc:sldMk cId="2492524537" sldId="309"/>
@@ -585,7 +563,7 @@
           </ac:spMkLst>
         </pc:spChg>
         <pc:spChg chg="mod">
-          <ac:chgData name="Tobias Brammer" userId="80a1e1bd-3b82-47a5-b259-da62a397db92" providerId="ADAL" clId="{1E3A7C41-47CF-4BFD-8C66-533AAAACACA8}" dt="2023-03-02T07:02:36.969" v="7633" actId="20577"/>
+          <ac:chgData name="Tobias Brammer" userId="80a1e1bd-3b82-47a5-b259-da62a397db92" providerId="ADAL" clId="{1E3A7C41-47CF-4BFD-8C66-533AAAACACA8}" dt="2023-03-07T06:53:24.393" v="8916" actId="20577"/>
           <ac:spMkLst>
             <pc:docMk/>
             <pc:sldMk cId="2492524537" sldId="309"/>
@@ -632,8 +610,8 @@
           </ac:graphicFrameMkLst>
         </pc:graphicFrameChg>
       </pc:sldChg>
-      <pc:sldChg chg="addSp delSp modSp add mod">
-        <pc:chgData name="Tobias Brammer" userId="80a1e1bd-3b82-47a5-b259-da62a397db92" providerId="ADAL" clId="{1E3A7C41-47CF-4BFD-8C66-533AAAACACA8}" dt="2023-03-02T07:08:49.754" v="7663" actId="20577"/>
+      <pc:sldChg chg="addSp delSp modSp add mod ord">
+        <pc:chgData name="Tobias Brammer" userId="80a1e1bd-3b82-47a5-b259-da62a397db92" providerId="ADAL" clId="{1E3A7C41-47CF-4BFD-8C66-533AAAACACA8}" dt="2023-03-08T17:57:12.427" v="9189" actId="20577"/>
         <pc:sldMkLst>
           <pc:docMk/>
           <pc:sldMk cId="3090062221" sldId="311"/>
@@ -655,15 +633,39 @@
           </ac:spMkLst>
         </pc:spChg>
         <pc:spChg chg="mod">
-          <ac:chgData name="Tobias Brammer" userId="80a1e1bd-3b82-47a5-b259-da62a397db92" providerId="ADAL" clId="{1E3A7C41-47CF-4BFD-8C66-533AAAACACA8}" dt="2023-03-02T07:08:49.754" v="7663" actId="20577"/>
+          <ac:chgData name="Tobias Brammer" userId="80a1e1bd-3b82-47a5-b259-da62a397db92" providerId="ADAL" clId="{1E3A7C41-47CF-4BFD-8C66-533AAAACACA8}" dt="2023-03-08T17:57:12.427" v="9189" actId="20577"/>
           <ac:spMkLst>
             <pc:docMk/>
             <pc:sldMk cId="3090062221" sldId="311"/>
             <ac:spMk id="6" creationId="{8FC4456C-8838-4F8B-8B1E-95CBD5B2E38B}"/>
           </ac:spMkLst>
         </pc:spChg>
-        <pc:graphicFrameChg chg="add mod">
-          <ac:chgData name="Tobias Brammer" userId="80a1e1bd-3b82-47a5-b259-da62a397db92" providerId="ADAL" clId="{1E3A7C41-47CF-4BFD-8C66-533AAAACACA8}" dt="2023-03-02T07:04:26.664" v="7634" actId="1076"/>
+        <pc:spChg chg="add del mod">
+          <ac:chgData name="Tobias Brammer" userId="80a1e1bd-3b82-47a5-b259-da62a397db92" providerId="ADAL" clId="{1E3A7C41-47CF-4BFD-8C66-533AAAACACA8}" dt="2023-03-07T06:34:15.626" v="8647" actId="478"/>
+          <ac:spMkLst>
+            <pc:docMk/>
+            <pc:sldMk cId="3090062221" sldId="311"/>
+            <ac:spMk id="7" creationId="{8278DBF7-FB37-80E4-88AD-07CAB4ADF21F}"/>
+          </ac:spMkLst>
+        </pc:spChg>
+        <pc:grpChg chg="add del mod">
+          <ac:chgData name="Tobias Brammer" userId="80a1e1bd-3b82-47a5-b259-da62a397db92" providerId="ADAL" clId="{1E3A7C41-47CF-4BFD-8C66-533AAAACACA8}" dt="2023-03-07T06:47:28.887" v="8863" actId="478"/>
+          <ac:grpSpMkLst>
+            <pc:docMk/>
+            <pc:sldMk cId="3090062221" sldId="311"/>
+            <ac:grpSpMk id="15" creationId="{84155CE7-CE7B-6794-3BDF-B45F6F41191A}"/>
+          </ac:grpSpMkLst>
+        </pc:grpChg>
+        <pc:grpChg chg="add mod">
+          <ac:chgData name="Tobias Brammer" userId="80a1e1bd-3b82-47a5-b259-da62a397db92" providerId="ADAL" clId="{1E3A7C41-47CF-4BFD-8C66-533AAAACACA8}" dt="2023-03-07T06:50:12.639" v="8889" actId="1076"/>
+          <ac:grpSpMkLst>
+            <pc:docMk/>
+            <pc:sldMk cId="3090062221" sldId="311"/>
+            <ac:grpSpMk id="23" creationId="{38285DF7-26A5-0B52-5D8A-45F17BF22272}"/>
+          </ac:grpSpMkLst>
+        </pc:grpChg>
+        <pc:graphicFrameChg chg="add del mod">
+          <ac:chgData name="Tobias Brammer" userId="80a1e1bd-3b82-47a5-b259-da62a397db92" providerId="ADAL" clId="{1E3A7C41-47CF-4BFD-8C66-533AAAACACA8}" dt="2023-03-07T06:34:10.475" v="8645" actId="478"/>
           <ac:graphicFrameMkLst>
             <pc:docMk/>
             <pc:sldMk cId="3090062221" sldId="311"/>
@@ -676,6 +678,118 @@
             <pc:docMk/>
             <pc:sldMk cId="3090062221" sldId="311"/>
             <ac:graphicFrameMk id="4" creationId="{79C05AFC-9555-D40C-AD9D-3E13BD0A4FC2}"/>
+          </ac:graphicFrameMkLst>
+        </pc:graphicFrameChg>
+        <pc:graphicFrameChg chg="add del mod">
+          <ac:chgData name="Tobias Brammer" userId="80a1e1bd-3b82-47a5-b259-da62a397db92" providerId="ADAL" clId="{1E3A7C41-47CF-4BFD-8C66-533AAAACACA8}" dt="2023-03-07T06:41:31.357" v="8815" actId="478"/>
+          <ac:graphicFrameMkLst>
+            <pc:docMk/>
+            <pc:sldMk cId="3090062221" sldId="311"/>
+            <ac:graphicFrameMk id="5" creationId="{69CA4EEA-7C4D-39AC-AF26-DAD4D2D25EAA}"/>
+          </ac:graphicFrameMkLst>
+        </pc:graphicFrameChg>
+        <pc:graphicFrameChg chg="add del mod">
+          <ac:chgData name="Tobias Brammer" userId="80a1e1bd-3b82-47a5-b259-da62a397db92" providerId="ADAL" clId="{1E3A7C41-47CF-4BFD-8C66-533AAAACACA8}" dt="2023-03-07T06:43:06.125" v="8820" actId="478"/>
+          <ac:graphicFrameMkLst>
+            <pc:docMk/>
+            <pc:sldMk cId="3090062221" sldId="311"/>
+            <ac:graphicFrameMk id="8" creationId="{76CF5CBA-D2DD-34D9-FC91-845883B827DD}"/>
+          </ac:graphicFrameMkLst>
+        </pc:graphicFrameChg>
+        <pc:graphicFrameChg chg="add mod topLvl">
+          <ac:chgData name="Tobias Brammer" userId="80a1e1bd-3b82-47a5-b259-da62a397db92" providerId="ADAL" clId="{1E3A7C41-47CF-4BFD-8C66-533AAAACACA8}" dt="2023-03-07T06:50:07.426" v="8888" actId="164"/>
+          <ac:graphicFrameMkLst>
+            <pc:docMk/>
+            <pc:sldMk cId="3090062221" sldId="311"/>
+            <ac:graphicFrameMk id="9" creationId="{D1559444-CA7D-43C0-1DE4-369F3173A80D}"/>
+          </ac:graphicFrameMkLst>
+        </pc:graphicFrameChg>
+        <pc:graphicFrameChg chg="add del mod">
+          <ac:chgData name="Tobias Brammer" userId="80a1e1bd-3b82-47a5-b259-da62a397db92" providerId="ADAL" clId="{1E3A7C41-47CF-4BFD-8C66-533AAAACACA8}" dt="2023-03-07T06:43:43.116" v="8827" actId="478"/>
+          <ac:graphicFrameMkLst>
+            <pc:docMk/>
+            <pc:sldMk cId="3090062221" sldId="311"/>
+            <ac:graphicFrameMk id="10" creationId="{E4D27B5D-AD38-F131-8B5F-04A4DCA54B0E}"/>
+          </ac:graphicFrameMkLst>
+        </pc:graphicFrameChg>
+        <pc:graphicFrameChg chg="add del mod">
+          <ac:chgData name="Tobias Brammer" userId="80a1e1bd-3b82-47a5-b259-da62a397db92" providerId="ADAL" clId="{1E3A7C41-47CF-4BFD-8C66-533AAAACACA8}" dt="2023-03-07T06:48:14.574" v="8872" actId="478"/>
+          <ac:graphicFrameMkLst>
+            <pc:docMk/>
+            <pc:sldMk cId="3090062221" sldId="311"/>
+            <ac:graphicFrameMk id="11" creationId="{A1A9EEA3-CF70-0746-9268-52E5213F26CB}"/>
+          </ac:graphicFrameMkLst>
+        </pc:graphicFrameChg>
+        <pc:graphicFrameChg chg="add del mod">
+          <ac:chgData name="Tobias Brammer" userId="80a1e1bd-3b82-47a5-b259-da62a397db92" providerId="ADAL" clId="{1E3A7C41-47CF-4BFD-8C66-533AAAACACA8}" dt="2023-03-07T06:45:19.491" v="8843" actId="478"/>
+          <ac:graphicFrameMkLst>
+            <pc:docMk/>
+            <pc:sldMk cId="3090062221" sldId="311"/>
+            <ac:graphicFrameMk id="12" creationId="{02AA1BF8-7A1D-F5CE-9BBE-12AEED4DC507}"/>
+          </ac:graphicFrameMkLst>
+        </pc:graphicFrameChg>
+        <pc:graphicFrameChg chg="add del mod">
+          <ac:chgData name="Tobias Brammer" userId="80a1e1bd-3b82-47a5-b259-da62a397db92" providerId="ADAL" clId="{1E3A7C41-47CF-4BFD-8C66-533AAAACACA8}" dt="2023-03-07T06:47:27.571" v="8862" actId="478"/>
+          <ac:graphicFrameMkLst>
+            <pc:docMk/>
+            <pc:sldMk cId="3090062221" sldId="311"/>
+            <ac:graphicFrameMk id="13" creationId="{1CE26004-2BFF-7BE5-24C8-818375EE2B85}"/>
+          </ac:graphicFrameMkLst>
+        </pc:graphicFrameChg>
+        <pc:graphicFrameChg chg="add del mod topLvl">
+          <ac:chgData name="Tobias Brammer" userId="80a1e1bd-3b82-47a5-b259-da62a397db92" providerId="ADAL" clId="{1E3A7C41-47CF-4BFD-8C66-533AAAACACA8}" dt="2023-03-07T06:47:28.887" v="8863" actId="478"/>
+          <ac:graphicFrameMkLst>
+            <pc:docMk/>
+            <pc:sldMk cId="3090062221" sldId="311"/>
+            <ac:graphicFrameMk id="14" creationId="{B6AFF7B3-635D-977B-A15E-3CBEBB440DE1}"/>
+          </ac:graphicFrameMkLst>
+        </pc:graphicFrameChg>
+        <pc:graphicFrameChg chg="add del mod">
+          <ac:chgData name="Tobias Brammer" userId="80a1e1bd-3b82-47a5-b259-da62a397db92" providerId="ADAL" clId="{1E3A7C41-47CF-4BFD-8C66-533AAAACACA8}" dt="2023-03-07T06:47:39.724" v="8866" actId="478"/>
+          <ac:graphicFrameMkLst>
+            <pc:docMk/>
+            <pc:sldMk cId="3090062221" sldId="311"/>
+            <ac:graphicFrameMk id="16" creationId="{5A593BE0-B2EE-DAB8-481F-DCDE6EE6BDDC}"/>
+          </ac:graphicFrameMkLst>
+        </pc:graphicFrameChg>
+        <pc:graphicFrameChg chg="add del mod">
+          <ac:chgData name="Tobias Brammer" userId="80a1e1bd-3b82-47a5-b259-da62a397db92" providerId="ADAL" clId="{1E3A7C41-47CF-4BFD-8C66-533AAAACACA8}" dt="2023-03-07T06:48:12.431" v="8871" actId="478"/>
+          <ac:graphicFrameMkLst>
+            <pc:docMk/>
+            <pc:sldMk cId="3090062221" sldId="311"/>
+            <ac:graphicFrameMk id="17" creationId="{1DDDD90B-6559-B079-6BE8-C4E960EDAE96}"/>
+          </ac:graphicFrameMkLst>
+        </pc:graphicFrameChg>
+        <pc:graphicFrameChg chg="add del mod">
+          <ac:chgData name="Tobias Brammer" userId="80a1e1bd-3b82-47a5-b259-da62a397db92" providerId="ADAL" clId="{1E3A7C41-47CF-4BFD-8C66-533AAAACACA8}" dt="2023-03-07T06:49:46.341" v="8883" actId="478"/>
+          <ac:graphicFrameMkLst>
+            <pc:docMk/>
+            <pc:sldMk cId="3090062221" sldId="311"/>
+            <ac:graphicFrameMk id="18" creationId="{33D05F86-5BAA-0142-89B9-9E2CEAE67970}"/>
+          </ac:graphicFrameMkLst>
+        </pc:graphicFrameChg>
+        <pc:graphicFrameChg chg="add del mod">
+          <ac:chgData name="Tobias Brammer" userId="80a1e1bd-3b82-47a5-b259-da62a397db92" providerId="ADAL" clId="{1E3A7C41-47CF-4BFD-8C66-533AAAACACA8}" dt="2023-03-07T06:48:32.196" v="8877" actId="478"/>
+          <ac:graphicFrameMkLst>
+            <pc:docMk/>
+            <pc:sldMk cId="3090062221" sldId="311"/>
+            <ac:graphicFrameMk id="19" creationId="{DF13B7E3-4BFB-9AD3-67C8-C2755690E97C}"/>
+          </ac:graphicFrameMkLst>
+        </pc:graphicFrameChg>
+        <pc:graphicFrameChg chg="add mod">
+          <ac:chgData name="Tobias Brammer" userId="80a1e1bd-3b82-47a5-b259-da62a397db92" providerId="ADAL" clId="{1E3A7C41-47CF-4BFD-8C66-533AAAACACA8}" dt="2023-03-07T06:50:07.426" v="8888" actId="164"/>
+          <ac:graphicFrameMkLst>
+            <pc:docMk/>
+            <pc:sldMk cId="3090062221" sldId="311"/>
+            <ac:graphicFrameMk id="21" creationId="{B305C757-02F7-D8E4-C352-87D04B022676}"/>
+          </ac:graphicFrameMkLst>
+        </pc:graphicFrameChg>
+        <pc:graphicFrameChg chg="add mod">
+          <ac:chgData name="Tobias Brammer" userId="80a1e1bd-3b82-47a5-b259-da62a397db92" providerId="ADAL" clId="{1E3A7C41-47CF-4BFD-8C66-533AAAACACA8}" dt="2023-03-07T06:50:07.426" v="8888" actId="164"/>
+          <ac:graphicFrameMkLst>
+            <pc:docMk/>
+            <pc:sldMk cId="3090062221" sldId="311"/>
+            <ac:graphicFrameMk id="22" creationId="{047ADE68-9866-819C-37AA-A74696903866}"/>
           </ac:graphicFrameMkLst>
         </pc:graphicFrameChg>
       </pc:sldChg>
@@ -718,8 +832,8 @@
           </ac:graphicFrameMkLst>
         </pc:graphicFrameChg>
       </pc:sldChg>
-      <pc:sldChg chg="addSp delSp modSp add mod">
-        <pc:chgData name="Tobias Brammer" userId="80a1e1bd-3b82-47a5-b259-da62a397db92" providerId="ADAL" clId="{1E3A7C41-47CF-4BFD-8C66-533AAAACACA8}" dt="2023-03-02T07:02:03.908" v="7620" actId="20577"/>
+      <pc:sldChg chg="addSp delSp modSp add mod ord">
+        <pc:chgData name="Tobias Brammer" userId="80a1e1bd-3b82-47a5-b259-da62a397db92" providerId="ADAL" clId="{1E3A7C41-47CF-4BFD-8C66-533AAAACACA8}" dt="2023-03-07T06:21:07.414" v="8637" actId="408"/>
         <pc:sldMkLst>
           <pc:docMk/>
           <pc:sldMk cId="637503088" sldId="313"/>
@@ -765,7 +879,7 @@
           </ac:spMkLst>
         </pc:spChg>
         <pc:spChg chg="mod">
-          <ac:chgData name="Tobias Brammer" userId="80a1e1bd-3b82-47a5-b259-da62a397db92" providerId="ADAL" clId="{1E3A7C41-47CF-4BFD-8C66-533AAAACACA8}" dt="2023-03-02T07:02:03.908" v="7620" actId="20577"/>
+          <ac:chgData name="Tobias Brammer" userId="80a1e1bd-3b82-47a5-b259-da62a397db92" providerId="ADAL" clId="{1E3A7C41-47CF-4BFD-8C66-533AAAACACA8}" dt="2023-03-07T06:21:07.414" v="8637" actId="408"/>
           <ac:spMkLst>
             <pc:docMk/>
             <pc:sldMk cId="637503088" sldId="313"/>
@@ -773,7 +887,7 @@
           </ac:spMkLst>
         </pc:spChg>
         <pc:spChg chg="mod">
-          <ac:chgData name="Tobias Brammer" userId="80a1e1bd-3b82-47a5-b259-da62a397db92" providerId="ADAL" clId="{1E3A7C41-47CF-4BFD-8C66-533AAAACACA8}" dt="2023-03-02T07:01:37.535" v="7617" actId="20577"/>
+          <ac:chgData name="Tobias Brammer" userId="80a1e1bd-3b82-47a5-b259-da62a397db92" providerId="ADAL" clId="{1E3A7C41-47CF-4BFD-8C66-533AAAACACA8}" dt="2023-03-07T06:21:07.414" v="8637" actId="408"/>
           <ac:spMkLst>
             <pc:docMk/>
             <pc:sldMk cId="637503088" sldId="313"/>
@@ -781,23 +895,23 @@
           </ac:spMkLst>
         </pc:spChg>
         <pc:spChg chg="mod">
-          <ac:chgData name="Tobias Brammer" userId="80a1e1bd-3b82-47a5-b259-da62a397db92" providerId="ADAL" clId="{1E3A7C41-47CF-4BFD-8C66-533AAAACACA8}" dt="2023-03-02T07:01:04.346" v="7592" actId="20577"/>
+          <ac:chgData name="Tobias Brammer" userId="80a1e1bd-3b82-47a5-b259-da62a397db92" providerId="ADAL" clId="{1E3A7C41-47CF-4BFD-8C66-533AAAACACA8}" dt="2023-03-07T06:19:01.466" v="7883"/>
           <ac:spMkLst>
             <pc:docMk/>
             <pc:sldMk cId="637503088" sldId="313"/>
             <ac:spMk id="8" creationId="{A26BD07B-B36A-46BD-8B09-8347D40D54E4}"/>
           </ac:spMkLst>
         </pc:spChg>
-        <pc:spChg chg="mod">
-          <ac:chgData name="Tobias Brammer" userId="80a1e1bd-3b82-47a5-b259-da62a397db92" providerId="ADAL" clId="{1E3A7C41-47CF-4BFD-8C66-533AAAACACA8}" dt="2023-03-02T06:53:48.503" v="7006" actId="20577"/>
+        <pc:spChg chg="mod ord">
+          <ac:chgData name="Tobias Brammer" userId="80a1e1bd-3b82-47a5-b259-da62a397db92" providerId="ADAL" clId="{1E3A7C41-47CF-4BFD-8C66-533AAAACACA8}" dt="2023-03-07T06:21:07.414" v="8637" actId="408"/>
           <ac:spMkLst>
             <pc:docMk/>
             <pc:sldMk cId="637503088" sldId="313"/>
             <ac:spMk id="9" creationId="{7A55C507-1CA4-403F-85AA-068A599400B3}"/>
           </ac:spMkLst>
         </pc:spChg>
-        <pc:spChg chg="mod">
-          <ac:chgData name="Tobias Brammer" userId="80a1e1bd-3b82-47a5-b259-da62a397db92" providerId="ADAL" clId="{1E3A7C41-47CF-4BFD-8C66-533AAAACACA8}" dt="2023-02-28T06:37:47.660" v="5412" actId="552"/>
+        <pc:spChg chg="mod ord">
+          <ac:chgData name="Tobias Brammer" userId="80a1e1bd-3b82-47a5-b259-da62a397db92" providerId="ADAL" clId="{1E3A7C41-47CF-4BFD-8C66-533AAAACACA8}" dt="2023-03-07T06:18:34.489" v="7876" actId="552"/>
           <ac:spMkLst>
             <pc:docMk/>
             <pc:sldMk cId="637503088" sldId="313"/>
@@ -805,7 +919,7 @@
           </ac:spMkLst>
         </pc:spChg>
         <pc:spChg chg="mod">
-          <ac:chgData name="Tobias Brammer" userId="80a1e1bd-3b82-47a5-b259-da62a397db92" providerId="ADAL" clId="{1E3A7C41-47CF-4BFD-8C66-533AAAACACA8}" dt="2023-02-28T06:37:57.614" v="5414" actId="552"/>
+          <ac:chgData name="Tobias Brammer" userId="80a1e1bd-3b82-47a5-b259-da62a397db92" providerId="ADAL" clId="{1E3A7C41-47CF-4BFD-8C66-533AAAACACA8}" dt="2023-03-07T06:21:07.414" v="8637" actId="408"/>
           <ac:spMkLst>
             <pc:docMk/>
             <pc:sldMk cId="637503088" sldId="313"/>
@@ -813,7 +927,7 @@
           </ac:spMkLst>
         </pc:spChg>
         <pc:spChg chg="mod">
-          <ac:chgData name="Tobias Brammer" userId="80a1e1bd-3b82-47a5-b259-da62a397db92" providerId="ADAL" clId="{1E3A7C41-47CF-4BFD-8C66-533AAAACACA8}" dt="2023-02-28T06:37:53.373" v="5413" actId="552"/>
+          <ac:chgData name="Tobias Brammer" userId="80a1e1bd-3b82-47a5-b259-da62a397db92" providerId="ADAL" clId="{1E3A7C41-47CF-4BFD-8C66-533AAAACACA8}" dt="2023-03-07T06:21:07.414" v="8637" actId="408"/>
           <ac:spMkLst>
             <pc:docMk/>
             <pc:sldMk cId="637503088" sldId="313"/>
@@ -821,7 +935,7 @@
           </ac:spMkLst>
         </pc:spChg>
         <pc:spChg chg="mod">
-          <ac:chgData name="Tobias Brammer" userId="80a1e1bd-3b82-47a5-b259-da62a397db92" providerId="ADAL" clId="{1E3A7C41-47CF-4BFD-8C66-533AAAACACA8}" dt="2023-02-28T06:38:01.781" v="5415" actId="552"/>
+          <ac:chgData name="Tobias Brammer" userId="80a1e1bd-3b82-47a5-b259-da62a397db92" providerId="ADAL" clId="{1E3A7C41-47CF-4BFD-8C66-533AAAACACA8}" dt="2023-03-07T06:21:07.414" v="8637" actId="408"/>
           <ac:spMkLst>
             <pc:docMk/>
             <pc:sldMk cId="637503088" sldId="313"/>
@@ -852,6 +966,237 @@
             <ac:graphicFrameMk id="4" creationId="{DA4F5744-822E-272D-9EB9-E4CFFB864E67}"/>
           </ac:graphicFrameMkLst>
         </pc:graphicFrameChg>
+      </pc:sldChg>
+      <pc:sldChg chg="addSp delSp modSp new add del mod replTag modNotes">
+        <pc:chgData name="Tobias Brammer" userId="80a1e1bd-3b82-47a5-b259-da62a397db92" providerId="ADAL" clId="{1E3A7C41-47CF-4BFD-8C66-533AAAACACA8}" dt="2023-03-07T06:19:48.494" v="8634" actId="47"/>
+        <pc:sldMkLst>
+          <pc:docMk/>
+          <pc:sldMk cId="2442288617" sldId="314"/>
+        </pc:sldMkLst>
+        <pc:spChg chg="del mod">
+          <ac:chgData name="Tobias Brammer" userId="80a1e1bd-3b82-47a5-b259-da62a397db92" providerId="ADAL" clId="{1E3A7C41-47CF-4BFD-8C66-533AAAACACA8}" dt="2023-03-07T06:19:26.427" v="7886"/>
+          <ac:spMkLst>
+            <pc:docMk/>
+            <pc:sldMk cId="2442288617" sldId="314"/>
+            <ac:spMk id="2" creationId="{D309766A-97F8-D59F-9A4A-A34A6A22E12B}"/>
+          </ac:spMkLst>
+        </pc:spChg>
+        <pc:spChg chg="del mod">
+          <ac:chgData name="Tobias Brammer" userId="80a1e1bd-3b82-47a5-b259-da62a397db92" providerId="ADAL" clId="{1E3A7C41-47CF-4BFD-8C66-533AAAACACA8}" dt="2023-03-07T06:19:26.427" v="7886"/>
+          <ac:spMkLst>
+            <pc:docMk/>
+            <pc:sldMk cId="2442288617" sldId="314"/>
+            <ac:spMk id="3" creationId="{53590706-900D-C74D-75E6-E7958675BDB1}"/>
+          </ac:spMkLst>
+        </pc:spChg>
+        <pc:spChg chg="del mod">
+          <ac:chgData name="Tobias Brammer" userId="80a1e1bd-3b82-47a5-b259-da62a397db92" providerId="ADAL" clId="{1E3A7C41-47CF-4BFD-8C66-533AAAACACA8}" dt="2023-03-07T06:19:26.427" v="7886"/>
+          <ac:spMkLst>
+            <pc:docMk/>
+            <pc:sldMk cId="2442288617" sldId="314"/>
+            <ac:spMk id="4" creationId="{B85D4468-326B-B61A-BD09-97319A802902}"/>
+          </ac:spMkLst>
+        </pc:spChg>
+        <pc:spChg chg="add del mod replST">
+          <ac:chgData name="Tobias Brammer" userId="80a1e1bd-3b82-47a5-b259-da62a397db92" providerId="ADAL" clId="{1E3A7C41-47CF-4BFD-8C66-533AAAACACA8}" dt="2023-03-07T06:19:34.993" v="8037"/>
+          <ac:spMkLst>
+            <pc:docMk/>
+            <pc:sldMk cId="2442288617" sldId="314"/>
+            <ac:spMk id="5" creationId="{C5BBB58E-569B-B687-4FFC-8858D431FDF6}"/>
+          </ac:spMkLst>
+        </pc:spChg>
+        <pc:spChg chg="add del mod ord replST">
+          <ac:chgData name="Tobias Brammer" userId="80a1e1bd-3b82-47a5-b259-da62a397db92" providerId="ADAL" clId="{1E3A7C41-47CF-4BFD-8C66-533AAAACACA8}" dt="2023-03-07T06:19:34.994" v="8039"/>
+          <ac:spMkLst>
+            <pc:docMk/>
+            <pc:sldMk cId="2442288617" sldId="314"/>
+            <ac:spMk id="6" creationId="{322CEEFA-3CBB-484B-5950-40E401853D50}"/>
+          </ac:spMkLst>
+        </pc:spChg>
+        <pc:spChg chg="add del mod replST">
+          <ac:chgData name="Tobias Brammer" userId="80a1e1bd-3b82-47a5-b259-da62a397db92" providerId="ADAL" clId="{1E3A7C41-47CF-4BFD-8C66-533AAAACACA8}" dt="2023-03-07T06:19:34.993" v="8035"/>
+          <ac:spMkLst>
+            <pc:docMk/>
+            <pc:sldMk cId="2442288617" sldId="314"/>
+            <ac:spMk id="7" creationId="{0E2B4C85-EA1B-CAD1-99AE-77D0DDD4202A}"/>
+          </ac:spMkLst>
+        </pc:spChg>
+        <pc:spChg chg="add del mod replST">
+          <ac:chgData name="Tobias Brammer" userId="80a1e1bd-3b82-47a5-b259-da62a397db92" providerId="ADAL" clId="{1E3A7C41-47CF-4BFD-8C66-533AAAACACA8}" dt="2023-03-07T06:19:34.992" v="8034"/>
+          <ac:spMkLst>
+            <pc:docMk/>
+            <pc:sldMk cId="2442288617" sldId="314"/>
+            <ac:spMk id="8" creationId="{33AAD9C2-691E-CDBB-DE65-B539431F9044}"/>
+          </ac:spMkLst>
+        </pc:spChg>
+        <pc:spChg chg="add del mod replST">
+          <ac:chgData name="Tobias Brammer" userId="80a1e1bd-3b82-47a5-b259-da62a397db92" providerId="ADAL" clId="{1E3A7C41-47CF-4BFD-8C66-533AAAACACA8}" dt="2023-03-07T06:19:34.990" v="8032"/>
+          <ac:spMkLst>
+            <pc:docMk/>
+            <pc:sldMk cId="2442288617" sldId="314"/>
+            <ac:spMk id="9" creationId="{E1DC0737-D98C-FF28-DA55-451DEB6FEBC9}"/>
+          </ac:spMkLst>
+        </pc:spChg>
+        <pc:spChg chg="add del mod replST">
+          <ac:chgData name="Tobias Brammer" userId="80a1e1bd-3b82-47a5-b259-da62a397db92" providerId="ADAL" clId="{1E3A7C41-47CF-4BFD-8C66-533AAAACACA8}" dt="2023-03-07T06:19:35.209" v="8186"/>
+          <ac:spMkLst>
+            <pc:docMk/>
+            <pc:sldMk cId="2442288617" sldId="314"/>
+            <ac:spMk id="10" creationId="{AC7C5A1F-CF6B-F0BA-31AF-1B15193C2327}"/>
+          </ac:spMkLst>
+        </pc:spChg>
+        <pc:spChg chg="add del mod ord replST">
+          <ac:chgData name="Tobias Brammer" userId="80a1e1bd-3b82-47a5-b259-da62a397db92" providerId="ADAL" clId="{1E3A7C41-47CF-4BFD-8C66-533AAAACACA8}" dt="2023-03-07T06:19:35.210" v="8188"/>
+          <ac:spMkLst>
+            <pc:docMk/>
+            <pc:sldMk cId="2442288617" sldId="314"/>
+            <ac:spMk id="11" creationId="{FFF1A8CF-C3F3-0D95-601E-643F29B4D6D5}"/>
+          </ac:spMkLst>
+        </pc:spChg>
+        <pc:spChg chg="add del mod replST">
+          <ac:chgData name="Tobias Brammer" userId="80a1e1bd-3b82-47a5-b259-da62a397db92" providerId="ADAL" clId="{1E3A7C41-47CF-4BFD-8C66-533AAAACACA8}" dt="2023-03-07T06:19:35.208" v="8184"/>
+          <ac:spMkLst>
+            <pc:docMk/>
+            <pc:sldMk cId="2442288617" sldId="314"/>
+            <ac:spMk id="12" creationId="{29C480A2-0897-968D-3C47-C37E1D151123}"/>
+          </ac:spMkLst>
+        </pc:spChg>
+        <pc:spChg chg="add del mod replST">
+          <ac:chgData name="Tobias Brammer" userId="80a1e1bd-3b82-47a5-b259-da62a397db92" providerId="ADAL" clId="{1E3A7C41-47CF-4BFD-8C66-533AAAACACA8}" dt="2023-03-07T06:19:35.208" v="8183"/>
+          <ac:spMkLst>
+            <pc:docMk/>
+            <pc:sldMk cId="2442288617" sldId="314"/>
+            <ac:spMk id="13" creationId="{87411137-08ED-EF25-6EAD-7582CE377194}"/>
+          </ac:spMkLst>
+        </pc:spChg>
+        <pc:spChg chg="add del mod replST">
+          <ac:chgData name="Tobias Brammer" userId="80a1e1bd-3b82-47a5-b259-da62a397db92" providerId="ADAL" clId="{1E3A7C41-47CF-4BFD-8C66-533AAAACACA8}" dt="2023-03-07T06:19:35.207" v="8181"/>
+          <ac:spMkLst>
+            <pc:docMk/>
+            <pc:sldMk cId="2442288617" sldId="314"/>
+            <ac:spMk id="14" creationId="{528F609B-DAC0-6B13-E030-521ABC1492C3}"/>
+          </ac:spMkLst>
+        </pc:spChg>
+        <pc:spChg chg="add del mod replST">
+          <ac:chgData name="Tobias Brammer" userId="80a1e1bd-3b82-47a5-b259-da62a397db92" providerId="ADAL" clId="{1E3A7C41-47CF-4BFD-8C66-533AAAACACA8}" dt="2023-03-07T06:19:35.443" v="8335"/>
+          <ac:spMkLst>
+            <pc:docMk/>
+            <pc:sldMk cId="2442288617" sldId="314"/>
+            <ac:spMk id="15" creationId="{B5187429-2401-8A8A-F31C-5CE416ED6DD0}"/>
+          </ac:spMkLst>
+        </pc:spChg>
+        <pc:spChg chg="add del mod ord replST">
+          <ac:chgData name="Tobias Brammer" userId="80a1e1bd-3b82-47a5-b259-da62a397db92" providerId="ADAL" clId="{1E3A7C41-47CF-4BFD-8C66-533AAAACACA8}" dt="2023-03-07T06:19:35.443" v="8337"/>
+          <ac:spMkLst>
+            <pc:docMk/>
+            <pc:sldMk cId="2442288617" sldId="314"/>
+            <ac:spMk id="16" creationId="{5A4306E2-BD3D-BCF5-2103-B3ACDFCD6C70}"/>
+          </ac:spMkLst>
+        </pc:spChg>
+        <pc:spChg chg="add del mod replST">
+          <ac:chgData name="Tobias Brammer" userId="80a1e1bd-3b82-47a5-b259-da62a397db92" providerId="ADAL" clId="{1E3A7C41-47CF-4BFD-8C66-533AAAACACA8}" dt="2023-03-07T06:19:35.442" v="8333"/>
+          <ac:spMkLst>
+            <pc:docMk/>
+            <pc:sldMk cId="2442288617" sldId="314"/>
+            <ac:spMk id="17" creationId="{7C3FCB28-CA2F-15AC-BF34-63036E9F36AE}"/>
+          </ac:spMkLst>
+        </pc:spChg>
+        <pc:spChg chg="add del mod replST">
+          <ac:chgData name="Tobias Brammer" userId="80a1e1bd-3b82-47a5-b259-da62a397db92" providerId="ADAL" clId="{1E3A7C41-47CF-4BFD-8C66-533AAAACACA8}" dt="2023-03-07T06:19:35.441" v="8332"/>
+          <ac:spMkLst>
+            <pc:docMk/>
+            <pc:sldMk cId="2442288617" sldId="314"/>
+            <ac:spMk id="18" creationId="{044EAEE4-AD89-14C2-48D0-D2255B57DC21}"/>
+          </ac:spMkLst>
+        </pc:spChg>
+        <pc:spChg chg="add del mod replST">
+          <ac:chgData name="Tobias Brammer" userId="80a1e1bd-3b82-47a5-b259-da62a397db92" providerId="ADAL" clId="{1E3A7C41-47CF-4BFD-8C66-533AAAACACA8}" dt="2023-03-07T06:19:35.440" v="8330"/>
+          <ac:spMkLst>
+            <pc:docMk/>
+            <pc:sldMk cId="2442288617" sldId="314"/>
+            <ac:spMk id="19" creationId="{0F99221D-C1CF-D638-A520-45858198E6ED}"/>
+          </ac:spMkLst>
+        </pc:spChg>
+        <pc:spChg chg="add del mod replST">
+          <ac:chgData name="Tobias Brammer" userId="80a1e1bd-3b82-47a5-b259-da62a397db92" providerId="ADAL" clId="{1E3A7C41-47CF-4BFD-8C66-533AAAACACA8}" dt="2023-03-07T06:19:35.671" v="8484"/>
+          <ac:spMkLst>
+            <pc:docMk/>
+            <pc:sldMk cId="2442288617" sldId="314"/>
+            <ac:spMk id="20" creationId="{967AE865-2A70-22D4-7A34-57DE6C6A2DBB}"/>
+          </ac:spMkLst>
+        </pc:spChg>
+        <pc:spChg chg="add del mod ord replST">
+          <ac:chgData name="Tobias Brammer" userId="80a1e1bd-3b82-47a5-b259-da62a397db92" providerId="ADAL" clId="{1E3A7C41-47CF-4BFD-8C66-533AAAACACA8}" dt="2023-03-07T06:19:35.672" v="8486"/>
+          <ac:spMkLst>
+            <pc:docMk/>
+            <pc:sldMk cId="2442288617" sldId="314"/>
+            <ac:spMk id="21" creationId="{00EEA402-4E65-3535-C222-B54FE34AF3CE}"/>
+          </ac:spMkLst>
+        </pc:spChg>
+        <pc:spChg chg="add del mod replST">
+          <ac:chgData name="Tobias Brammer" userId="80a1e1bd-3b82-47a5-b259-da62a397db92" providerId="ADAL" clId="{1E3A7C41-47CF-4BFD-8C66-533AAAACACA8}" dt="2023-03-07T06:19:35.670" v="8482"/>
+          <ac:spMkLst>
+            <pc:docMk/>
+            <pc:sldMk cId="2442288617" sldId="314"/>
+            <ac:spMk id="22" creationId="{29344402-9945-7F6C-AA77-4360A4D3C96F}"/>
+          </ac:spMkLst>
+        </pc:spChg>
+        <pc:spChg chg="add del mod replST">
+          <ac:chgData name="Tobias Brammer" userId="80a1e1bd-3b82-47a5-b259-da62a397db92" providerId="ADAL" clId="{1E3A7C41-47CF-4BFD-8C66-533AAAACACA8}" dt="2023-03-07T06:19:35.670" v="8481"/>
+          <ac:spMkLst>
+            <pc:docMk/>
+            <pc:sldMk cId="2442288617" sldId="314"/>
+            <ac:spMk id="23" creationId="{1C03F8F9-4838-D4FC-069D-70E917C8A1EB}"/>
+          </ac:spMkLst>
+        </pc:spChg>
+        <pc:spChg chg="add del mod replST">
+          <ac:chgData name="Tobias Brammer" userId="80a1e1bd-3b82-47a5-b259-da62a397db92" providerId="ADAL" clId="{1E3A7C41-47CF-4BFD-8C66-533AAAACACA8}" dt="2023-03-07T06:19:35.669" v="8479"/>
+          <ac:spMkLst>
+            <pc:docMk/>
+            <pc:sldMk cId="2442288617" sldId="314"/>
+            <ac:spMk id="24" creationId="{34D48AA3-B69B-8750-EBAC-136A8B07C95A}"/>
+          </ac:spMkLst>
+        </pc:spChg>
+        <pc:spChg chg="add mod replST">
+          <ac:chgData name="Tobias Brammer" userId="80a1e1bd-3b82-47a5-b259-da62a397db92" providerId="ADAL" clId="{1E3A7C41-47CF-4BFD-8C66-533AAAACACA8}" dt="2023-03-07T06:19:35.690" v="8514" actId="947"/>
+          <ac:spMkLst>
+            <pc:docMk/>
+            <pc:sldMk cId="2442288617" sldId="314"/>
+            <ac:spMk id="25" creationId="{47CBC08F-0544-5020-CDE8-0D63E4B97FB5}"/>
+          </ac:spMkLst>
+        </pc:spChg>
+        <pc:spChg chg="add mod ord replST">
+          <ac:chgData name="Tobias Brammer" userId="80a1e1bd-3b82-47a5-b259-da62a397db92" providerId="ADAL" clId="{1E3A7C41-47CF-4BFD-8C66-533AAAACACA8}" dt="2023-03-07T06:19:35.701" v="8540"/>
+          <ac:spMkLst>
+            <pc:docMk/>
+            <pc:sldMk cId="2442288617" sldId="314"/>
+            <ac:spMk id="26" creationId="{ED968E32-DFE5-08E1-75A9-9B7354F2E546}"/>
+          </ac:spMkLst>
+        </pc:spChg>
+        <pc:spChg chg="add mod replST">
+          <ac:chgData name="Tobias Brammer" userId="80a1e1bd-3b82-47a5-b259-da62a397db92" providerId="ADAL" clId="{1E3A7C41-47CF-4BFD-8C66-533AAAACACA8}" dt="2023-03-07T06:19:35.717" v="8570"/>
+          <ac:spMkLst>
+            <pc:docMk/>
+            <pc:sldMk cId="2442288617" sldId="314"/>
+            <ac:spMk id="27" creationId="{36C52EF2-74E9-EF05-A685-07FBB6AA7D1A}"/>
+          </ac:spMkLst>
+        </pc:spChg>
+        <pc:spChg chg="add mod replST">
+          <ac:chgData name="Tobias Brammer" userId="80a1e1bd-3b82-47a5-b259-da62a397db92" providerId="ADAL" clId="{1E3A7C41-47CF-4BFD-8C66-533AAAACACA8}" dt="2023-03-07T06:19:35.733" v="8599" actId="207"/>
+          <ac:spMkLst>
+            <pc:docMk/>
+            <pc:sldMk cId="2442288617" sldId="314"/>
+            <ac:spMk id="28" creationId="{07FD8821-3E17-2675-F9DC-4495D372B414}"/>
+          </ac:spMkLst>
+        </pc:spChg>
+        <pc:spChg chg="add mod replST">
+          <ac:chgData name="Tobias Brammer" userId="80a1e1bd-3b82-47a5-b259-da62a397db92" providerId="ADAL" clId="{1E3A7C41-47CF-4BFD-8C66-533AAAACACA8}" dt="2023-03-07T06:19:35.747" v="8627"/>
+          <ac:spMkLst>
+            <pc:docMk/>
+            <pc:sldMk cId="2442288617" sldId="314"/>
+            <ac:spMk id="29" creationId="{02773137-9307-4053-D6EE-DB41B53BD839}"/>
+          </ac:spMkLst>
+        </pc:spChg>
       </pc:sldChg>
       <pc:sldMasterChg chg="delSp modSp mod modSldLayout">
         <pc:chgData name="Tobias Brammer" userId="80a1e1bd-3b82-47a5-b259-da62a397db92" providerId="ADAL" clId="{1E3A7C41-47CF-4BFD-8C66-533AAAACACA8}" dt="2023-02-28T05:57:37.780" v="1856" actId="1076"/>
@@ -2677,7 +3022,7 @@
                   <a:schemeClr val="accent1"/>
                 </a:solidFill>
               </a:rPr>
-              <a:t>02-03-2023</a:t>
+              <a:t>08-03-2023</a:t>
             </a:fld>
             <a:endParaRPr lang="da-DK" sz="800" dirty="0">
               <a:solidFill>
@@ -2875,7 +3220,7 @@
             <a:fld id="{E0DF3390-761A-4FDC-BA3A-9CF676B82A14}" type="datetimeFigureOut">
               <a:rPr lang="en-US" smtClean="0"/>
               <a:pPr/>
-              <a:t>3/2/2023</a:t>
+              <a:t>3/8/2023</a:t>
             </a:fld>
             <a:endParaRPr lang="en-US" dirty="0"/>
           </a:p>
@@ -3697,176 +4042,6 @@
     <p:extLst>
       <p:ext uri="{BB962C8B-B14F-4D97-AF65-F5344CB8AC3E}">
         <p14:creationId xmlns:p14="http://schemas.microsoft.com/office/powerpoint/2010/main" val="2453163822"/>
-      </p:ext>
-    </p:extLst>
-  </p:cSld>
-  <p:clrMapOvr>
-    <a:masterClrMapping/>
-  </p:clrMapOvr>
-</p:notes>
-</file>
-
-<file path=ppt/notesSlides/notesSlide7.xml><?xml version="1.0" encoding="utf-8"?>
-<p:notes xmlns:a="http://schemas.openxmlformats.org/drawingml/2006/main" xmlns:r="http://schemas.openxmlformats.org/officeDocument/2006/relationships" xmlns:p="http://schemas.openxmlformats.org/presentationml/2006/main">
-  <p:cSld>
-    <p:spTree>
-      <p:nvGrpSpPr>
-        <p:cNvPr id="1" name=""/>
-        <p:cNvGrpSpPr/>
-        <p:nvPr/>
-      </p:nvGrpSpPr>
-      <p:grpSpPr>
-        <a:xfrm>
-          <a:off x="0" y="0"/>
-          <a:ext cx="0" cy="0"/>
-          <a:chOff x="0" y="0"/>
-          <a:chExt cx="0" cy="0"/>
-        </a:xfrm>
-      </p:grpSpPr>
-      <p:sp>
-        <p:nvSpPr>
-          <p:cNvPr id="2" name="Pladsholder til slidebillede 1"/>
-          <p:cNvSpPr>
-            <a:spLocks noGrp="1" noRot="1" noChangeAspect="1"/>
-          </p:cNvSpPr>
-          <p:nvPr>
-            <p:ph type="sldImg"/>
-          </p:nvPr>
-        </p:nvSpPr>
-        <p:spPr/>
-      </p:sp>
-      <p:sp>
-        <p:nvSpPr>
-          <p:cNvPr id="3" name="Pladsholder til noter 2"/>
-          <p:cNvSpPr>
-            <a:spLocks noGrp="1"/>
-          </p:cNvSpPr>
-          <p:nvPr>
-            <p:ph type="body" idx="1"/>
-          </p:nvPr>
-        </p:nvSpPr>
-        <p:spPr/>
-        <p:txBody>
-          <a:bodyPr/>
-          <a:lstStyle/>
-          <a:p>
-            <a:endParaRPr lang="en-US" dirty="0"/>
-          </a:p>
-        </p:txBody>
-      </p:sp>
-      <p:sp>
-        <p:nvSpPr>
-          <p:cNvPr id="4" name="Pladsholder til slidenummer 3"/>
-          <p:cNvSpPr>
-            <a:spLocks noGrp="1"/>
-          </p:cNvSpPr>
-          <p:nvPr>
-            <p:ph type="sldNum" sz="quarter" idx="5"/>
-          </p:nvPr>
-        </p:nvSpPr>
-        <p:spPr/>
-        <p:txBody>
-          <a:bodyPr/>
-          <a:lstStyle/>
-          <a:p>
-            <a:fld id="{CA4D1251-08EB-4C47-AB06-FBA54C2E1AEF}" type="slidenum">
-              <a:rPr lang="en-US" smtClean="0"/>
-              <a:pPr/>
-              <a:t>7</a:t>
-            </a:fld>
-            <a:endParaRPr lang="en-US" dirty="0"/>
-          </a:p>
-        </p:txBody>
-      </p:sp>
-    </p:spTree>
-    <p:extLst>
-      <p:ext uri="{BB962C8B-B14F-4D97-AF65-F5344CB8AC3E}">
-        <p14:creationId xmlns:p14="http://schemas.microsoft.com/office/powerpoint/2010/main" val="4131405212"/>
-      </p:ext>
-    </p:extLst>
-  </p:cSld>
-  <p:clrMapOvr>
-    <a:masterClrMapping/>
-  </p:clrMapOvr>
-</p:notes>
-</file>
-
-<file path=ppt/notesSlides/notesSlide8.xml><?xml version="1.0" encoding="utf-8"?>
-<p:notes xmlns:a="http://schemas.openxmlformats.org/drawingml/2006/main" xmlns:r="http://schemas.openxmlformats.org/officeDocument/2006/relationships" xmlns:p="http://schemas.openxmlformats.org/presentationml/2006/main">
-  <p:cSld>
-    <p:spTree>
-      <p:nvGrpSpPr>
-        <p:cNvPr id="1" name=""/>
-        <p:cNvGrpSpPr/>
-        <p:nvPr/>
-      </p:nvGrpSpPr>
-      <p:grpSpPr>
-        <a:xfrm>
-          <a:off x="0" y="0"/>
-          <a:ext cx="0" cy="0"/>
-          <a:chOff x="0" y="0"/>
-          <a:chExt cx="0" cy="0"/>
-        </a:xfrm>
-      </p:grpSpPr>
-      <p:sp>
-        <p:nvSpPr>
-          <p:cNvPr id="2" name="Pladsholder til slidebillede 1"/>
-          <p:cNvSpPr>
-            <a:spLocks noGrp="1" noRot="1" noChangeAspect="1"/>
-          </p:cNvSpPr>
-          <p:nvPr>
-            <p:ph type="sldImg"/>
-          </p:nvPr>
-        </p:nvSpPr>
-        <p:spPr/>
-      </p:sp>
-      <p:sp>
-        <p:nvSpPr>
-          <p:cNvPr id="3" name="Pladsholder til noter 2"/>
-          <p:cNvSpPr>
-            <a:spLocks noGrp="1"/>
-          </p:cNvSpPr>
-          <p:nvPr>
-            <p:ph type="body" idx="1"/>
-          </p:nvPr>
-        </p:nvSpPr>
-        <p:spPr/>
-        <p:txBody>
-          <a:bodyPr/>
-          <a:lstStyle/>
-          <a:p>
-            <a:endParaRPr lang="en-US" dirty="0"/>
-          </a:p>
-        </p:txBody>
-      </p:sp>
-      <p:sp>
-        <p:nvSpPr>
-          <p:cNvPr id="4" name="Pladsholder til slidenummer 3"/>
-          <p:cNvSpPr>
-            <a:spLocks noGrp="1"/>
-          </p:cNvSpPr>
-          <p:nvPr>
-            <p:ph type="sldNum" sz="quarter" idx="5"/>
-          </p:nvPr>
-        </p:nvSpPr>
-        <p:spPr/>
-        <p:txBody>
-          <a:bodyPr/>
-          <a:lstStyle/>
-          <a:p>
-            <a:fld id="{CA4D1251-08EB-4C47-AB06-FBA54C2E1AEF}" type="slidenum">
-              <a:rPr lang="en-US" smtClean="0"/>
-              <a:pPr/>
-              <a:t>8</a:t>
-            </a:fld>
-            <a:endParaRPr lang="en-US" dirty="0"/>
-          </a:p>
-        </p:txBody>
-      </p:sp>
-    </p:spTree>
-    <p:extLst>
-      <p:ext uri="{BB962C8B-B14F-4D97-AF65-F5344CB8AC3E}">
-        <p14:creationId xmlns:p14="http://schemas.microsoft.com/office/powerpoint/2010/main" val="1683443240"/>
       </p:ext>
     </p:extLst>
   </p:cSld>
@@ -17351,7 +17526,7 @@
             </p:custDataLst>
             <p:extLst>
               <p:ext uri="{D42A27DB-BD31-4B8C-83A1-F6EECF244321}">
-                <p14:modId xmlns:p14="http://schemas.microsoft.com/office/powerpoint/2010/main" val="3155459643"/>
+                <p14:modId xmlns:p14="http://schemas.microsoft.com/office/powerpoint/2010/main" val="4213455095"/>
               </p:ext>
             </p:extLst>
           </p:nvPr>
@@ -17456,7 +17631,7 @@
           <a:p>
             <a:r>
               <a:rPr lang="en-US" dirty="0"/>
-              <a:t>Agenda</a:t>
+              <a:t>Outline</a:t>
             </a:r>
           </a:p>
         </p:txBody>
@@ -19191,7 +19366,7 @@
           <a:p>
             <a:r>
               <a:rPr lang="en-US" dirty="0"/>
-              <a:t>Contracting accounts for 25% of total revenue and 43% of total EBIT.</a:t>
+              <a:t>In 2022, Contracting accounted for 25% of total revenue and had a 43% total effect on EBIT.</a:t>
             </a:r>
           </a:p>
           <a:p>
@@ -19205,7 +19380,15 @@
             <a:pPr lvl="2"/>
             <a:r>
               <a:rPr lang="en-US" dirty="0"/>
-              <a:t>Contracting has great influence on ELCON’s finances.</a:t>
+              <a:t>Contracting has great influence on </a:t>
+            </a:r>
+            <a:r>
+              <a:rPr lang="en-US"/>
+              <a:t>ELCON’s overall finances</a:t>
+            </a:r>
+            <a:r>
+              <a:rPr lang="en-US" dirty="0"/>
+              <a:t>.</a:t>
             </a:r>
           </a:p>
           <a:p>
@@ -19339,7 +19522,7 @@
         </p:nvSpPr>
         <p:spPr>
           <a:xfrm>
-            <a:off x="855664" y="2984011"/>
+            <a:off x="3727905" y="2939746"/>
             <a:ext cx="2448594" cy="1295739"/>
           </a:xfrm>
         </p:spPr>
@@ -19386,7 +19569,7 @@
         </p:nvSpPr>
         <p:spPr>
           <a:xfrm>
-            <a:off x="6620982" y="2984011"/>
+            <a:off x="6356580" y="2939746"/>
             <a:ext cx="2448594" cy="2292935"/>
           </a:xfrm>
         </p:spPr>
@@ -19434,7 +19617,7 @@
         </p:nvSpPr>
         <p:spPr>
           <a:xfrm>
-            <a:off x="9439990" y="2984011"/>
+            <a:off x="9058990" y="2939746"/>
             <a:ext cx="2448594" cy="2459135"/>
           </a:xfrm>
         </p:spPr>
@@ -19482,7 +19665,7 @@
         </p:nvSpPr>
         <p:spPr>
           <a:xfrm>
-            <a:off x="3773631" y="2984011"/>
+            <a:off x="1071979" y="2939746"/>
             <a:ext cx="2448594" cy="1794337"/>
           </a:xfrm>
         </p:spPr>
@@ -19527,7 +19710,7 @@
         </p:nvSpPr>
         <p:spPr>
           <a:xfrm>
-            <a:off x="855664" y="2191849"/>
+            <a:off x="728664" y="2191849"/>
             <a:ext cx="455253" cy="747897"/>
           </a:xfrm>
           <a:prstGeom prst="rect">
@@ -19721,7 +19904,7 @@
         </p:nvSpPr>
         <p:spPr>
           <a:xfrm>
-            <a:off x="6620982" y="2191849"/>
+            <a:off x="6064561" y="2191849"/>
             <a:ext cx="403957" cy="747897"/>
           </a:xfrm>
           <a:prstGeom prst="rect">
@@ -19889,18 +20072,13 @@
               <a:buNone/>
             </a:pPr>
             <a:r>
-              <a:rPr lang="en-US" sz="5400" b="1">
+              <a:rPr lang="en-US" sz="5400" b="1" dirty="0">
                 <a:solidFill>
                   <a:schemeClr val="accent5"/>
                 </a:solidFill>
               </a:rPr>
               <a:t>C</a:t>
             </a:r>
-            <a:endParaRPr lang="en-US" sz="5400" b="1" dirty="0">
-              <a:solidFill>
-                <a:schemeClr val="accent5"/>
-              </a:solidFill>
-            </a:endParaRPr>
           </a:p>
         </p:txBody>
       </p:sp>
@@ -19920,7 +20098,7 @@
         </p:nvSpPr>
         <p:spPr>
           <a:xfrm>
-            <a:off x="3773631" y="2191849"/>
+            <a:off x="3408635" y="2191849"/>
             <a:ext cx="431208" cy="747897"/>
           </a:xfrm>
           <a:prstGeom prst="rect">
@@ -20114,7 +20292,7 @@
         </p:nvSpPr>
         <p:spPr>
           <a:xfrm>
-            <a:off x="9439990" y="2191849"/>
+            <a:off x="8693236" y="2191849"/>
             <a:ext cx="477695" cy="747897"/>
           </a:xfrm>
           <a:prstGeom prst="rect">
@@ -20282,18 +20460,13 @@
               <a:buNone/>
             </a:pPr>
             <a:r>
-              <a:rPr lang="en-US" sz="5400" b="1">
+              <a:rPr lang="en-US" sz="5400" b="1" dirty="0">
                 <a:solidFill>
                   <a:schemeClr val="accent5"/>
                 </a:solidFill>
               </a:rPr>
               <a:t>D</a:t>
             </a:r>
-            <a:endParaRPr lang="en-US" sz="5400" b="1" dirty="0">
-              <a:solidFill>
-                <a:schemeClr val="accent5"/>
-              </a:solidFill>
-            </a:endParaRPr>
           </a:p>
         </p:txBody>
       </p:sp>
@@ -20491,7 +20664,7 @@
           <a:p>
             <a:r>
               <a:rPr lang="en-US" dirty="0"/>
-              <a:t>Principal Component Analysis</a:t>
+              <a:t>Factor Analysis</a:t>
             </a:r>
           </a:p>
           <a:p>
@@ -20500,27 +20673,6 @@
               <a:rPr lang="en-US" sz="1600" dirty="0"/>
               <a:t>Reduce dimensions from the get-go and establish a more manageable dataset. </a:t>
             </a:r>
-          </a:p>
-          <a:p>
-            <a:r>
-              <a:rPr lang="en-US" dirty="0"/>
-              <a:t>PLS-SEM</a:t>
-            </a:r>
-          </a:p>
-          <a:p>
-            <a:pPr lvl="1"/>
-            <a:r>
-              <a:rPr lang="en-US" sz="1600" dirty="0"/>
-              <a:t>Maximizes the amount of variance explained.</a:t>
-            </a:r>
-          </a:p>
-          <a:p>
-            <a:pPr lvl="1"/>
-            <a:r>
-              <a:rPr lang="en-US" sz="1600" dirty="0"/>
-              <a:t>Generates a Time Series Model to be used as input in RF.</a:t>
-            </a:r>
-            <a:endParaRPr lang="en-US" sz="1400" dirty="0"/>
           </a:p>
           <a:p>
             <a:r>
@@ -20756,14 +20908,14 @@
           <a:p>
             <a:r>
               <a:rPr lang="en-US" dirty="0"/>
-              <a:t>Time Series Data of each individual project.</a:t>
+              <a:t>Time Series Data of Each Project.</a:t>
             </a:r>
           </a:p>
           <a:p>
             <a:pPr lvl="2"/>
             <a:r>
               <a:rPr lang="en-US" sz="1600" dirty="0"/>
-              <a:t>Hours registered by individual workers</a:t>
+              <a:t>Hours registered by workers</a:t>
             </a:r>
           </a:p>
           <a:p>
@@ -20777,7 +20929,7 @@
             <a:pPr lvl="2"/>
             <a:r>
               <a:rPr lang="en-US" sz="1600" dirty="0"/>
-              <a:t>Individuals Invoices</a:t>
+              <a:t>Invoices</a:t>
             </a:r>
           </a:p>
           <a:p>
@@ -21001,7 +21153,12 @@
             <p:ph sz="quarter" idx="13"/>
           </p:nvPr>
         </p:nvSpPr>
-        <p:spPr/>
+        <p:spPr>
+          <a:xfrm>
+            <a:off x="982663" y="1088631"/>
+            <a:ext cx="4808537" cy="5077220"/>
+          </a:xfrm>
+        </p:spPr>
         <p:txBody>
           <a:bodyPr/>
           <a:lstStyle/>
@@ -21027,6 +21184,49 @@
           </a:p>
           <a:p>
             <a:pPr lvl="2"/>
+            <a:r>
+              <a:rPr lang="en-US" dirty="0"/>
+              <a:t>Highlight trends and patterns in data.</a:t>
+            </a:r>
+          </a:p>
+          <a:p>
+            <a:r>
+              <a:rPr lang="en-US" dirty="0"/>
+              <a:t>Insight into underlying risk factors.</a:t>
+            </a:r>
+          </a:p>
+          <a:p>
+            <a:endParaRPr lang="en-US" dirty="0"/>
+          </a:p>
+          <a:p>
+            <a:endParaRPr lang="en-US" dirty="0"/>
+          </a:p>
+          <a:p>
+            <a:endParaRPr lang="en-US" dirty="0"/>
+          </a:p>
+          <a:p>
+            <a:endParaRPr lang="en-US" dirty="0"/>
+          </a:p>
+          <a:p>
+            <a:endParaRPr lang="en-US" dirty="0"/>
+          </a:p>
+          <a:p>
+            <a:pPr marL="0" indent="0">
+              <a:buNone/>
+            </a:pPr>
+            <a:r>
+              <a:rPr lang="en-US" sz="1600" dirty="0"/>
+              <a:t>The right-hand side shows a draft of the time series model, coupled with a Principal Component Analysis of contribution margin.</a:t>
+            </a:r>
+          </a:p>
+          <a:p>
+            <a:endParaRPr lang="en-US" dirty="0"/>
+          </a:p>
+          <a:p>
+            <a:endParaRPr lang="en-US" dirty="0"/>
+          </a:p>
+          <a:p>
+            <a:pPr lvl="2"/>
             <a:endParaRPr lang="en-US" dirty="0"/>
           </a:p>
           <a:p>
@@ -21034,404 +21234,238 @@
           </a:p>
         </p:txBody>
       </p:sp>
-      <p:graphicFrame>
-        <p:nvGraphicFramePr>
-          <p:cNvPr id="3" name="Objekt 2">
+      <p:grpSp>
+        <p:nvGrpSpPr>
+          <p:cNvPr id="23" name="Gruppe 22">
             <a:extLst>
               <a:ext uri="{FF2B5EF4-FFF2-40B4-BE49-F238E27FC236}">
-                <a16:creationId xmlns:a16="http://schemas.microsoft.com/office/drawing/2014/main" id="{4029F1DC-CF89-2E77-8726-6C47BC99DC34}"/>
+                <a16:creationId xmlns:a16="http://schemas.microsoft.com/office/drawing/2014/main" id="{38285DF7-26A5-0B52-5D8A-45F17BF22272}"/>
               </a:ext>
             </a:extLst>
           </p:cNvPr>
-          <p:cNvGraphicFramePr>
-            <a:graphicFrameLocks noChangeAspect="1"/>
-          </p:cNvGraphicFramePr>
-          <p:nvPr>
-            <p:extLst>
-              <p:ext uri="{D42A27DB-BD31-4B8C-83A1-F6EECF244321}">
-                <p14:modId xmlns:p14="http://schemas.microsoft.com/office/powerpoint/2010/main" val="1197259452"/>
-              </p:ext>
-            </p:extLst>
-          </p:nvPr>
-        </p:nvGraphicFramePr>
-        <p:xfrm>
-          <a:off x="7308123" y="3187463"/>
-          <a:ext cx="4548915" cy="3440710"/>
-        </p:xfrm>
-        <a:graphic>
-          <a:graphicData uri="http://schemas.openxmlformats.org/presentationml/2006/ole">
-            <mc:AlternateContent xmlns:mc="http://schemas.openxmlformats.org/markup-compatibility/2006">
-              <mc:Choice xmlns:v="urn:schemas-microsoft-com:vml" Requires="v">
-                <p:oleObj name="Acrobat Document" r:id="rId6" imgW="4105257" imgH="3104867" progId="AcroExch.Document.DC">
-                  <p:embed/>
-                </p:oleObj>
-              </mc:Choice>
-              <mc:Fallback>
-                <p:oleObj name="Acrobat Document" r:id="rId6" imgW="4105257" imgH="3104867" progId="AcroExch.Document.DC">
-                  <p:embed/>
-                  <p:pic>
-                    <p:nvPicPr>
-                      <p:cNvPr id="3" name="Objekt 2">
-                        <a:extLst>
-                          <a:ext uri="{FF2B5EF4-FFF2-40B4-BE49-F238E27FC236}">
-                            <a16:creationId xmlns:a16="http://schemas.microsoft.com/office/drawing/2014/main" id="{4029F1DC-CF89-2E77-8726-6C47BC99DC34}"/>
-                          </a:ext>
-                        </a:extLst>
-                      </p:cNvPr>
-                      <p:cNvPicPr/>
-                      <p:nvPr/>
-                    </p:nvPicPr>
-                    <p:blipFill>
-                      <a:blip r:embed="rId7"/>
-                      <a:stretch>
-                        <a:fillRect/>
-                      </a:stretch>
-                    </p:blipFill>
-                    <p:spPr>
-                      <a:xfrm>
-                        <a:off x="7308123" y="3187463"/>
-                        <a:ext cx="4548915" cy="3440710"/>
-                      </a:xfrm>
-                      <a:prstGeom prst="rect">
-                        <a:avLst/>
-                      </a:prstGeom>
-                    </p:spPr>
-                  </p:pic>
-                </p:oleObj>
-              </mc:Fallback>
-            </mc:AlternateContent>
-          </a:graphicData>
-        </a:graphic>
-      </p:graphicFrame>
+          <p:cNvGrpSpPr/>
+          <p:nvPr/>
+        </p:nvGrpSpPr>
+        <p:grpSpPr>
+          <a:xfrm>
+            <a:off x="6019732" y="407777"/>
+            <a:ext cx="5837306" cy="6220396"/>
+            <a:chOff x="6096000" y="380564"/>
+            <a:chExt cx="5837306" cy="6220396"/>
+          </a:xfrm>
+        </p:grpSpPr>
+        <p:graphicFrame>
+          <p:nvGraphicFramePr>
+            <p:cNvPr id="9" name="Objekt 8">
+              <a:extLst>
+                <a:ext uri="{FF2B5EF4-FFF2-40B4-BE49-F238E27FC236}">
+                  <a16:creationId xmlns:a16="http://schemas.microsoft.com/office/drawing/2014/main" id="{D1559444-CA7D-43C0-1DE4-369F3173A80D}"/>
+                </a:ext>
+              </a:extLst>
+            </p:cNvPr>
+            <p:cNvGraphicFramePr>
+              <a:graphicFrameLocks noChangeAspect="1"/>
+            </p:cNvGraphicFramePr>
+            <p:nvPr>
+              <p:extLst>
+                <p:ext uri="{D42A27DB-BD31-4B8C-83A1-F6EECF244321}">
+                  <p14:modId xmlns:p14="http://schemas.microsoft.com/office/powerpoint/2010/main" val="731780390"/>
+                </p:ext>
+              </p:extLst>
+            </p:nvPr>
+          </p:nvGraphicFramePr>
+          <p:xfrm>
+            <a:off x="6173306" y="380564"/>
+            <a:ext cx="5760000" cy="3901345"/>
+          </p:xfrm>
+          <a:graphic>
+            <a:graphicData uri="http://schemas.openxmlformats.org/presentationml/2006/ole">
+              <mc:AlternateContent xmlns:mc="http://schemas.openxmlformats.org/markup-compatibility/2006">
+                <mc:Choice xmlns:v="urn:schemas-microsoft-com:vml" Requires="v">
+                  <p:oleObj name="Acrobat Document" r:id="rId6" imgW="13782628" imgH="9334410" progId="AcroExch.Document.DC">
+                    <p:embed/>
+                  </p:oleObj>
+                </mc:Choice>
+                <mc:Fallback>
+                  <p:oleObj name="Acrobat Document" r:id="rId6" imgW="13782628" imgH="9334410" progId="AcroExch.Document.DC">
+                    <p:embed/>
+                    <p:pic>
+                      <p:nvPicPr>
+                        <p:cNvPr id="9" name="Objekt 8">
+                          <a:extLst>
+                            <a:ext uri="{FF2B5EF4-FFF2-40B4-BE49-F238E27FC236}">
+                              <a16:creationId xmlns:a16="http://schemas.microsoft.com/office/drawing/2014/main" id="{D1559444-CA7D-43C0-1DE4-369F3173A80D}"/>
+                            </a:ext>
+                          </a:extLst>
+                        </p:cNvPr>
+                        <p:cNvPicPr/>
+                        <p:nvPr/>
+                      </p:nvPicPr>
+                      <p:blipFill>
+                        <a:blip r:embed="rId7"/>
+                        <a:stretch>
+                          <a:fillRect/>
+                        </a:stretch>
+                      </p:blipFill>
+                      <p:spPr>
+                        <a:xfrm>
+                          <a:off x="6173306" y="380564"/>
+                          <a:ext cx="5760000" cy="3901345"/>
+                        </a:xfrm>
+                        <a:prstGeom prst="rect">
+                          <a:avLst/>
+                        </a:prstGeom>
+                      </p:spPr>
+                    </p:pic>
+                  </p:oleObj>
+                </mc:Fallback>
+              </mc:AlternateContent>
+            </a:graphicData>
+          </a:graphic>
+        </p:graphicFrame>
+        <p:graphicFrame>
+          <p:nvGraphicFramePr>
+            <p:cNvPr id="21" name="Objekt 20">
+              <a:extLst>
+                <a:ext uri="{FF2B5EF4-FFF2-40B4-BE49-F238E27FC236}">
+                  <a16:creationId xmlns:a16="http://schemas.microsoft.com/office/drawing/2014/main" id="{B305C757-02F7-D8E4-C352-87D04B022676}"/>
+                </a:ext>
+              </a:extLst>
+            </p:cNvPr>
+            <p:cNvGraphicFramePr>
+              <a:graphicFrameLocks noChangeAspect="1"/>
+            </p:cNvGraphicFramePr>
+            <p:nvPr>
+              <p:extLst>
+                <p:ext uri="{D42A27DB-BD31-4B8C-83A1-F6EECF244321}">
+                  <p14:modId xmlns:p14="http://schemas.microsoft.com/office/powerpoint/2010/main" val="3187411849"/>
+                </p:ext>
+              </p:extLst>
+            </p:nvPr>
+          </p:nvGraphicFramePr>
+          <p:xfrm>
+            <a:off x="9053306" y="4422584"/>
+            <a:ext cx="2880000" cy="2178376"/>
+          </p:xfrm>
+          <a:graphic>
+            <a:graphicData uri="http://schemas.openxmlformats.org/presentationml/2006/ole">
+              <mc:AlternateContent xmlns:mc="http://schemas.openxmlformats.org/markup-compatibility/2006">
+                <mc:Choice xmlns:v="urn:schemas-microsoft-com:vml" Requires="v">
+                  <p:oleObj name="Acrobat Document" r:id="rId8" imgW="4105257" imgH="3104867" progId="AcroExch.Document.DC">
+                    <p:embed/>
+                  </p:oleObj>
+                </mc:Choice>
+                <mc:Fallback>
+                  <p:oleObj name="Acrobat Document" r:id="rId8" imgW="4105257" imgH="3104867" progId="AcroExch.Document.DC">
+                    <p:embed/>
+                    <p:pic>
+                      <p:nvPicPr>
+                        <p:cNvPr id="21" name="Objekt 20">
+                          <a:extLst>
+                            <a:ext uri="{FF2B5EF4-FFF2-40B4-BE49-F238E27FC236}">
+                              <a16:creationId xmlns:a16="http://schemas.microsoft.com/office/drawing/2014/main" id="{B305C757-02F7-D8E4-C352-87D04B022676}"/>
+                            </a:ext>
+                          </a:extLst>
+                        </p:cNvPr>
+                        <p:cNvPicPr/>
+                        <p:nvPr/>
+                      </p:nvPicPr>
+                      <p:blipFill>
+                        <a:blip r:embed="rId9"/>
+                        <a:stretch>
+                          <a:fillRect/>
+                        </a:stretch>
+                      </p:blipFill>
+                      <p:spPr>
+                        <a:xfrm>
+                          <a:off x="9053306" y="4422584"/>
+                          <a:ext cx="2880000" cy="2178376"/>
+                        </a:xfrm>
+                        <a:prstGeom prst="rect">
+                          <a:avLst/>
+                        </a:prstGeom>
+                      </p:spPr>
+                    </p:pic>
+                  </p:oleObj>
+                </mc:Fallback>
+              </mc:AlternateContent>
+            </a:graphicData>
+          </a:graphic>
+        </p:graphicFrame>
+        <p:graphicFrame>
+          <p:nvGraphicFramePr>
+            <p:cNvPr id="22" name="Objekt 21">
+              <a:extLst>
+                <a:ext uri="{FF2B5EF4-FFF2-40B4-BE49-F238E27FC236}">
+                  <a16:creationId xmlns:a16="http://schemas.microsoft.com/office/drawing/2014/main" id="{047ADE68-9866-819C-37AA-A74696903866}"/>
+                </a:ext>
+              </a:extLst>
+            </p:cNvPr>
+            <p:cNvGraphicFramePr>
+              <a:graphicFrameLocks noChangeAspect="1"/>
+            </p:cNvGraphicFramePr>
+            <p:nvPr>
+              <p:extLst>
+                <p:ext uri="{D42A27DB-BD31-4B8C-83A1-F6EECF244321}">
+                  <p14:modId xmlns:p14="http://schemas.microsoft.com/office/powerpoint/2010/main" val="2697269531"/>
+                </p:ext>
+              </p:extLst>
+            </p:nvPr>
+          </p:nvGraphicFramePr>
+          <p:xfrm>
+            <a:off x="6096000" y="4427615"/>
+            <a:ext cx="2880000" cy="2168314"/>
+          </p:xfrm>
+          <a:graphic>
+            <a:graphicData uri="http://schemas.openxmlformats.org/presentationml/2006/ole">
+              <mc:AlternateContent xmlns:mc="http://schemas.openxmlformats.org/markup-compatibility/2006">
+                <mc:Choice xmlns:v="urn:schemas-microsoft-com:vml" Requires="v">
+                  <p:oleObj name="Acrobat Document" r:id="rId10" imgW="4123996" imgH="3104867" progId="AcroExch.Document.DC">
+                    <p:embed/>
+                  </p:oleObj>
+                </mc:Choice>
+                <mc:Fallback>
+                  <p:oleObj name="Acrobat Document" r:id="rId10" imgW="4123996" imgH="3104867" progId="AcroExch.Document.DC">
+                    <p:embed/>
+                    <p:pic>
+                      <p:nvPicPr>
+                        <p:cNvPr id="22" name="Objekt 21">
+                          <a:extLst>
+                            <a:ext uri="{FF2B5EF4-FFF2-40B4-BE49-F238E27FC236}">
+                              <a16:creationId xmlns:a16="http://schemas.microsoft.com/office/drawing/2014/main" id="{047ADE68-9866-819C-37AA-A74696903866}"/>
+                            </a:ext>
+                          </a:extLst>
+                        </p:cNvPr>
+                        <p:cNvPicPr/>
+                        <p:nvPr/>
+                      </p:nvPicPr>
+                      <p:blipFill>
+                        <a:blip r:embed="rId11"/>
+                        <a:stretch>
+                          <a:fillRect/>
+                        </a:stretch>
+                      </p:blipFill>
+                      <p:spPr>
+                        <a:xfrm>
+                          <a:off x="6096000" y="4427615"/>
+                          <a:ext cx="2880000" cy="2168314"/>
+                        </a:xfrm>
+                        <a:prstGeom prst="rect">
+                          <a:avLst/>
+                        </a:prstGeom>
+                      </p:spPr>
+                    </p:pic>
+                  </p:oleObj>
+                </mc:Fallback>
+              </mc:AlternateContent>
+            </a:graphicData>
+          </a:graphic>
+        </p:graphicFrame>
+      </p:grpSp>
     </p:spTree>
     <p:extLst>
       <p:ext uri="{BB962C8B-B14F-4D97-AF65-F5344CB8AC3E}">
         <p14:creationId xmlns:p14="http://schemas.microsoft.com/office/powerpoint/2010/main" val="3090062221"/>
-      </p:ext>
-    </p:extLst>
-  </p:cSld>
-  <p:clrMapOvr>
-    <a:masterClrMapping/>
-  </p:clrMapOvr>
-</p:sld>
-</file>
-
-<file path=ppt/slides/slide7.xml><?xml version="1.0" encoding="utf-8"?>
-<p:sld xmlns:a="http://schemas.openxmlformats.org/drawingml/2006/main" xmlns:r="http://schemas.openxmlformats.org/officeDocument/2006/relationships" xmlns:p="http://schemas.openxmlformats.org/presentationml/2006/main" show="0">
-  <p:cSld>
-    <p:bg>
-      <p:bgPr>
-        <a:solidFill>
-          <a:schemeClr val="accent1"/>
-        </a:solidFill>
-        <a:effectLst/>
-      </p:bgPr>
-    </p:bg>
-    <p:spTree>
-      <p:nvGrpSpPr>
-        <p:cNvPr id="1" name=""/>
-        <p:cNvGrpSpPr/>
-        <p:nvPr/>
-      </p:nvGrpSpPr>
-      <p:grpSpPr>
-        <a:xfrm>
-          <a:off x="0" y="0"/>
-          <a:ext cx="0" cy="0"/>
-          <a:chOff x="0" y="0"/>
-          <a:chExt cx="0" cy="0"/>
-        </a:xfrm>
-      </p:grpSpPr>
-      <p:graphicFrame>
-        <p:nvGraphicFramePr>
-          <p:cNvPr id="4" name="Objekt 3" hidden="1">
-            <a:extLst>
-              <a:ext uri="{FF2B5EF4-FFF2-40B4-BE49-F238E27FC236}">
-                <a16:creationId xmlns:a16="http://schemas.microsoft.com/office/drawing/2014/main" id="{7EDD2181-28F2-62F9-AD4A-846375F1E999}"/>
-              </a:ext>
-            </a:extLst>
-          </p:cNvPr>
-          <p:cNvGraphicFramePr>
-            <a:graphicFrameLocks noChangeAspect="1"/>
-          </p:cNvGraphicFramePr>
-          <p:nvPr>
-            <p:custDataLst>
-              <p:tags r:id="rId1"/>
-            </p:custDataLst>
-            <p:extLst>
-              <p:ext uri="{D42A27DB-BD31-4B8C-83A1-F6EECF244321}">
-                <p14:modId xmlns:p14="http://schemas.microsoft.com/office/powerpoint/2010/main" val="2256968322"/>
-              </p:ext>
-            </p:extLst>
-          </p:nvPr>
-        </p:nvGraphicFramePr>
-        <p:xfrm>
-          <a:off x="1588" y="1588"/>
-          <a:ext cx="1588" cy="1588"/>
-        </p:xfrm>
-        <a:graphic>
-          <a:graphicData uri="http://schemas.openxmlformats.org/presentationml/2006/ole">
-            <mc:AlternateContent xmlns:mc="http://schemas.openxmlformats.org/markup-compatibility/2006">
-              <mc:Choice xmlns:v="urn:schemas-microsoft-com:vml" Requires="v">
-                <p:oleObj name="think-cell Slide" r:id="rId4" imgW="347" imgH="348" progId="TCLayout.ActiveDocument.1">
-                  <p:embed/>
-                </p:oleObj>
-              </mc:Choice>
-              <mc:Fallback>
-                <p:oleObj name="think-cell Slide" r:id="rId4" imgW="347" imgH="348" progId="TCLayout.ActiveDocument.1">
-                  <p:embed/>
-                  <p:pic>
-                    <p:nvPicPr>
-                      <p:cNvPr id="4" name="Objekt 3" hidden="1">
-                        <a:extLst>
-                          <a:ext uri="{FF2B5EF4-FFF2-40B4-BE49-F238E27FC236}">
-                            <a16:creationId xmlns:a16="http://schemas.microsoft.com/office/drawing/2014/main" id="{7EDD2181-28F2-62F9-AD4A-846375F1E999}"/>
-                          </a:ext>
-                        </a:extLst>
-                      </p:cNvPr>
-                      <p:cNvPicPr/>
-                      <p:nvPr/>
-                    </p:nvPicPr>
-                    <p:blipFill>
-                      <a:blip r:embed="rId5"/>
-                      <a:stretch>
-                        <a:fillRect/>
-                      </a:stretch>
-                    </p:blipFill>
-                    <p:spPr>
-                      <a:xfrm>
-                        <a:off x="1588" y="1588"/>
-                        <a:ext cx="1588" cy="1588"/>
-                      </a:xfrm>
-                      <a:prstGeom prst="rect">
-                        <a:avLst/>
-                      </a:prstGeom>
-                    </p:spPr>
-                  </p:pic>
-                </p:oleObj>
-              </mc:Fallback>
-            </mc:AlternateContent>
-          </a:graphicData>
-        </a:graphic>
-      </p:graphicFrame>
-      <p:sp>
-        <p:nvSpPr>
-          <p:cNvPr id="2" name="Titel 1">
-            <a:extLst>
-              <a:ext uri="{FF2B5EF4-FFF2-40B4-BE49-F238E27FC236}">
-                <a16:creationId xmlns:a16="http://schemas.microsoft.com/office/drawing/2014/main" id="{2A4596F9-FF12-4BF0-8843-C701E1DB0BAB}"/>
-              </a:ext>
-            </a:extLst>
-          </p:cNvPr>
-          <p:cNvSpPr>
-            <a:spLocks noGrp="1"/>
-          </p:cNvSpPr>
-          <p:nvPr>
-            <p:ph type="ctrTitle"/>
-          </p:nvPr>
-        </p:nvSpPr>
-        <p:spPr>
-          <a:xfrm>
-            <a:off x="334963" y="2764203"/>
-            <a:ext cx="11522075" cy="1329595"/>
-          </a:xfrm>
-        </p:spPr>
-        <p:txBody>
-          <a:bodyPr vert="horz"/>
-          <a:lstStyle/>
-          <a:p>
-            <a:r>
-              <a:rPr lang="en-US"/>
-              <a:t>Breaker layout med farvet baggrund</a:t>
-            </a:r>
-            <a:endParaRPr lang="en-US" dirty="0"/>
-          </a:p>
-        </p:txBody>
-      </p:sp>
-      <p:sp>
-        <p:nvSpPr>
-          <p:cNvPr id="8" name="Text Placeholder 7">
-            <a:extLst>
-              <a:ext uri="{FF2B5EF4-FFF2-40B4-BE49-F238E27FC236}">
-                <a16:creationId xmlns:a16="http://schemas.microsoft.com/office/drawing/2014/main" id="{F97827C5-D366-43A9-BC56-60449466C60F}"/>
-              </a:ext>
-            </a:extLst>
-          </p:cNvPr>
-          <p:cNvSpPr>
-            <a:spLocks noGrp="1"/>
-          </p:cNvSpPr>
-          <p:nvPr>
-            <p:ph type="body" sz="quarter" idx="17"/>
-          </p:nvPr>
-        </p:nvSpPr>
-        <p:spPr/>
-        <p:txBody>
-          <a:bodyPr/>
-          <a:lstStyle/>
-          <a:p>
-            <a:endParaRPr lang="en-US" dirty="0"/>
-          </a:p>
-        </p:txBody>
-      </p:sp>
-    </p:spTree>
-    <p:extLst>
-      <p:ext uri="{BB962C8B-B14F-4D97-AF65-F5344CB8AC3E}">
-        <p14:creationId xmlns:p14="http://schemas.microsoft.com/office/powerpoint/2010/main" val="1005211075"/>
-      </p:ext>
-    </p:extLst>
-  </p:cSld>
-  <p:clrMapOvr>
-    <a:masterClrMapping/>
-  </p:clrMapOvr>
-</p:sld>
-</file>
-
-<file path=ppt/slides/slide8.xml><?xml version="1.0" encoding="utf-8"?>
-<p:sld xmlns:a="http://schemas.openxmlformats.org/drawingml/2006/main" xmlns:r="http://schemas.openxmlformats.org/officeDocument/2006/relationships" xmlns:p="http://schemas.openxmlformats.org/presentationml/2006/main" show="0">
-  <p:cSld>
-    <p:spTree>
-      <p:nvGrpSpPr>
-        <p:cNvPr id="1" name=""/>
-        <p:cNvGrpSpPr/>
-        <p:nvPr/>
-      </p:nvGrpSpPr>
-      <p:grpSpPr>
-        <a:xfrm>
-          <a:off x="0" y="0"/>
-          <a:ext cx="0" cy="0"/>
-          <a:chOff x="0" y="0"/>
-          <a:chExt cx="0" cy="0"/>
-        </a:xfrm>
-      </p:grpSpPr>
-      <p:graphicFrame>
-        <p:nvGraphicFramePr>
-          <p:cNvPr id="4" name="Objekt 3" hidden="1">
-            <a:extLst>
-              <a:ext uri="{FF2B5EF4-FFF2-40B4-BE49-F238E27FC236}">
-                <a16:creationId xmlns:a16="http://schemas.microsoft.com/office/drawing/2014/main" id="{79C05AFC-9555-D40C-AD9D-3E13BD0A4FC2}"/>
-              </a:ext>
-            </a:extLst>
-          </p:cNvPr>
-          <p:cNvGraphicFramePr>
-            <a:graphicFrameLocks noChangeAspect="1"/>
-          </p:cNvGraphicFramePr>
-          <p:nvPr>
-            <p:custDataLst>
-              <p:tags r:id="rId1"/>
-            </p:custDataLst>
-            <p:extLst>
-              <p:ext uri="{D42A27DB-BD31-4B8C-83A1-F6EECF244321}">
-                <p14:modId xmlns:p14="http://schemas.microsoft.com/office/powerpoint/2010/main" val="2148549259"/>
-              </p:ext>
-            </p:extLst>
-          </p:nvPr>
-        </p:nvGraphicFramePr>
-        <p:xfrm>
-          <a:off x="1588" y="1588"/>
-          <a:ext cx="1588" cy="1588"/>
-        </p:xfrm>
-        <a:graphic>
-          <a:graphicData uri="http://schemas.openxmlformats.org/presentationml/2006/ole">
-            <mc:AlternateContent xmlns:mc="http://schemas.openxmlformats.org/markup-compatibility/2006">
-              <mc:Choice xmlns:v="urn:schemas-microsoft-com:vml" Requires="v">
-                <p:oleObj name="think-cell Slide" r:id="rId4" imgW="347" imgH="348" progId="TCLayout.ActiveDocument.1">
-                  <p:embed/>
-                </p:oleObj>
-              </mc:Choice>
-              <mc:Fallback>
-                <p:oleObj name="think-cell Slide" r:id="rId4" imgW="347" imgH="348" progId="TCLayout.ActiveDocument.1">
-                  <p:embed/>
-                  <p:pic>
-                    <p:nvPicPr>
-                      <p:cNvPr id="4" name="Objekt 3" hidden="1">
-                        <a:extLst>
-                          <a:ext uri="{FF2B5EF4-FFF2-40B4-BE49-F238E27FC236}">
-                            <a16:creationId xmlns:a16="http://schemas.microsoft.com/office/drawing/2014/main" id="{79C05AFC-9555-D40C-AD9D-3E13BD0A4FC2}"/>
-                          </a:ext>
-                        </a:extLst>
-                      </p:cNvPr>
-                      <p:cNvPicPr/>
-                      <p:nvPr/>
-                    </p:nvPicPr>
-                    <p:blipFill>
-                      <a:blip r:embed="rId5"/>
-                      <a:stretch>
-                        <a:fillRect/>
-                      </a:stretch>
-                    </p:blipFill>
-                    <p:spPr>
-                      <a:xfrm>
-                        <a:off x="1588" y="1588"/>
-                        <a:ext cx="1588" cy="1588"/>
-                      </a:xfrm>
-                      <a:prstGeom prst="rect">
-                        <a:avLst/>
-                      </a:prstGeom>
-                    </p:spPr>
-                  </p:pic>
-                </p:oleObj>
-              </mc:Fallback>
-            </mc:AlternateContent>
-          </a:graphicData>
-        </a:graphic>
-      </p:graphicFrame>
-      <p:sp>
-        <p:nvSpPr>
-          <p:cNvPr id="2" name="Titel 1">
-            <a:extLst>
-              <a:ext uri="{FF2B5EF4-FFF2-40B4-BE49-F238E27FC236}">
-                <a16:creationId xmlns:a16="http://schemas.microsoft.com/office/drawing/2014/main" id="{F7A7B11F-5560-4450-B29C-AA36EE47DBD5}"/>
-              </a:ext>
-            </a:extLst>
-          </p:cNvPr>
-          <p:cNvSpPr>
-            <a:spLocks noGrp="1"/>
-          </p:cNvSpPr>
-          <p:nvPr>
-            <p:ph type="title"/>
-          </p:nvPr>
-        </p:nvSpPr>
-        <p:spPr/>
-        <p:txBody>
-          <a:bodyPr vert="horz"/>
-          <a:lstStyle/>
-          <a:p>
-            <a:r>
-              <a:rPr lang="en-US"/>
-              <a:t>Titel og indhold med lille margin</a:t>
-            </a:r>
-            <a:endParaRPr lang="en-US" dirty="0"/>
-          </a:p>
-        </p:txBody>
-      </p:sp>
-      <p:sp>
-        <p:nvSpPr>
-          <p:cNvPr id="6" name="Pladsholder til indhold 5">
-            <a:extLst>
-              <a:ext uri="{FF2B5EF4-FFF2-40B4-BE49-F238E27FC236}">
-                <a16:creationId xmlns:a16="http://schemas.microsoft.com/office/drawing/2014/main" id="{8FC4456C-8838-4F8B-8B1E-95CBD5B2E38B}"/>
-              </a:ext>
-            </a:extLst>
-          </p:cNvPr>
-          <p:cNvSpPr>
-            <a:spLocks noGrp="1"/>
-          </p:cNvSpPr>
-          <p:nvPr>
-            <p:ph sz="quarter" idx="13"/>
-          </p:nvPr>
-        </p:nvSpPr>
-        <p:spPr/>
-        <p:txBody>
-          <a:bodyPr/>
-          <a:lstStyle/>
-          <a:p>
-            <a:endParaRPr lang="en-US" dirty="0"/>
-          </a:p>
-        </p:txBody>
-      </p:sp>
-    </p:spTree>
-    <p:extLst>
-      <p:ext uri="{BB962C8B-B14F-4D97-AF65-F5344CB8AC3E}">
-        <p14:creationId xmlns:p14="http://schemas.microsoft.com/office/powerpoint/2010/main" val="3556110710"/>
       </p:ext>
     </p:extLst>
   </p:cSld>
@@ -21452,6 +21486,8 @@
   <p:tag name="POWER_USER_PPT_AGENDA_PRESENTATION_SHOW_SLIDE_NUMBERS_CHECKED_TAG" val="1"/>
   <p:tag name="POWER_USER_PPT_AGENDA_PRESENTATION_SHOW_SECTION_NUMBERS_CHECKED_TAG" val="1"/>
   <p:tag name="POWER_USER_PPT_AGENDA_PRESENTATION_SHOW_BREADSCRUMBS_CHECKED_TAG" val="0"/>
+  <p:tag name="POWER_USER_PPT_AGENDA_PRESENTATION_TABLE_OF_CONTENT_STYLE_TAG" val="1"/>
+  <p:tag name="POWER_USER_PPT_AGENDA_PRESENTATION_DIVIDERS_STYLE_TAG" val="POWER_USER_LAYOUT_DIVIDER_PU_1"/>
   <p:tag name="THINKCELLUNDODONOTDELETE" val="0"/>
 </p:tagLst>
 </file>
@@ -21589,18 +21625,6 @@
 </file>
 
 <file path=ppt/tags/tag30.xml><?xml version="1.0" encoding="utf-8"?>
-<p:tagLst xmlns:a="http://schemas.openxmlformats.org/drawingml/2006/main" xmlns:r="http://schemas.openxmlformats.org/officeDocument/2006/relationships" xmlns:p="http://schemas.openxmlformats.org/presentationml/2006/main">
-  <p:tag name="THINKCELLSHAPEDONOTDELETE" val="thinkcellActiveDocDoNotDelete"/>
-</p:tagLst>
-</file>
-
-<file path=ppt/tags/tag31.xml><?xml version="1.0" encoding="utf-8"?>
-<p:tagLst xmlns:a="http://schemas.openxmlformats.org/drawingml/2006/main" xmlns:r="http://schemas.openxmlformats.org/officeDocument/2006/relationships" xmlns:p="http://schemas.openxmlformats.org/presentationml/2006/main">
-  <p:tag name="THINKCELLSHAPEDONOTDELETE" val="thinkcellActiveDocDoNotDelete"/>
-</p:tagLst>
-</file>
-
-<file path=ppt/tags/tag32.xml><?xml version="1.0" encoding="utf-8"?>
 <p:tagLst xmlns:a="http://schemas.openxmlformats.org/drawingml/2006/main" xmlns:r="http://schemas.openxmlformats.org/officeDocument/2006/relationships" xmlns:p="http://schemas.openxmlformats.org/presentationml/2006/main">
   <p:tag name="THINKCELLSHAPEDONOTDELETE" val="thinkcellActiveDocDoNotDelete"/>
 </p:tagLst>
